--- a/Documentation/Cinema.pptx
+++ b/Documentation/Cinema.pptx
@@ -8,28 +8,29 @@
     <p:sldId id="256" r:id="rId2"/>
     <p:sldId id="258" r:id="rId3"/>
     <p:sldId id="259" r:id="rId4"/>
-    <p:sldId id="260" r:id="rId5"/>
-    <p:sldId id="261" r:id="rId6"/>
-    <p:sldId id="284" r:id="rId7"/>
-    <p:sldId id="257" r:id="rId8"/>
-    <p:sldId id="262" r:id="rId9"/>
-    <p:sldId id="266" r:id="rId10"/>
-    <p:sldId id="263" r:id="rId11"/>
-    <p:sldId id="264" r:id="rId12"/>
-    <p:sldId id="265" r:id="rId13"/>
-    <p:sldId id="267" r:id="rId14"/>
-    <p:sldId id="268" r:id="rId15"/>
-    <p:sldId id="269" r:id="rId16"/>
-    <p:sldId id="270" r:id="rId17"/>
-    <p:sldId id="274" r:id="rId18"/>
-    <p:sldId id="271" r:id="rId19"/>
-    <p:sldId id="272" r:id="rId20"/>
-    <p:sldId id="275" r:id="rId21"/>
-    <p:sldId id="273" r:id="rId22"/>
-    <p:sldId id="280" r:id="rId23"/>
-    <p:sldId id="281" r:id="rId24"/>
-    <p:sldId id="282" r:id="rId25"/>
-    <p:sldId id="283" r:id="rId26"/>
+    <p:sldId id="261" r:id="rId5"/>
+    <p:sldId id="260" r:id="rId6"/>
+    <p:sldId id="282" r:id="rId7"/>
+    <p:sldId id="284" r:id="rId8"/>
+    <p:sldId id="285" r:id="rId9"/>
+    <p:sldId id="257" r:id="rId10"/>
+    <p:sldId id="262" r:id="rId11"/>
+    <p:sldId id="266" r:id="rId12"/>
+    <p:sldId id="263" r:id="rId13"/>
+    <p:sldId id="264" r:id="rId14"/>
+    <p:sldId id="265" r:id="rId15"/>
+    <p:sldId id="267" r:id="rId16"/>
+    <p:sldId id="268" r:id="rId17"/>
+    <p:sldId id="269" r:id="rId18"/>
+    <p:sldId id="270" r:id="rId19"/>
+    <p:sldId id="274" r:id="rId20"/>
+    <p:sldId id="271" r:id="rId21"/>
+    <p:sldId id="272" r:id="rId22"/>
+    <p:sldId id="275" r:id="rId23"/>
+    <p:sldId id="273" r:id="rId24"/>
+    <p:sldId id="280" r:id="rId25"/>
+    <p:sldId id="281" r:id="rId26"/>
+    <p:sldId id="283" r:id="rId27"/>
   </p:sldIdLst>
   <p:sldSz cx="12192000" cy="6858000"/>
   <p:notesSz cx="6858000" cy="9144000"/>
@@ -128,6 +129,11 @@
       </a:defRPr>
     </a:lvl9pPr>
   </p:defaultTextStyle>
+  <p:extLst>
+    <p:ext uri="{EFAFB233-063F-42B5-8137-9DF3F51BA10A}">
+      <p15:sldGuideLst xmlns:p15="http://schemas.microsoft.com/office/powerpoint/2012/main"/>
+    </p:ext>
+  </p:extLst>
 </p:presentation>
 </file>
 
@@ -3456,6 +3462,241 @@
             <p:ph type="title"/>
           </p:nvPr>
         </p:nvSpPr>
+        <p:spPr>
+          <a:xfrm>
+            <a:off x="838200" y="2766218"/>
+            <a:ext cx="10515600" cy="1325563"/>
+          </a:xfrm>
+        </p:spPr>
+        <p:txBody>
+          <a:bodyPr/>
+          <a:lstStyle/>
+          <a:p>
+            <a:pPr algn="ctr"/>
+            <a:r>
+              <a:rPr lang="pl-PL" b="1" dirty="0"/>
+              <a:t>Aplikacja – wersja klienta</a:t>
+            </a:r>
+          </a:p>
+        </p:txBody>
+      </p:sp>
+    </p:spTree>
+    <p:extLst>
+      <p:ext uri="{BB962C8B-B14F-4D97-AF65-F5344CB8AC3E}">
+        <p14:creationId xmlns:p14="http://schemas.microsoft.com/office/powerpoint/2010/main" val="1240330195"/>
+      </p:ext>
+    </p:extLst>
+  </p:cSld>
+  <p:clrMapOvr>
+    <a:masterClrMapping/>
+  </p:clrMapOvr>
+  <mc:AlternateContent xmlns:mc="http://schemas.openxmlformats.org/markup-compatibility/2006" xmlns:p159="http://schemas.microsoft.com/office/powerpoint/2015/09/main">
+    <mc:Choice Requires="p159">
+      <p:transition xmlns:p14="http://schemas.microsoft.com/office/powerpoint/2010/main" spd="slow" p14:dur="2000">
+        <p159:morph option="byObject"/>
+      </p:transition>
+    </mc:Choice>
+    <mc:Fallback xmlns="">
+      <p:transition spd="slow">
+        <p:fade/>
+      </p:transition>
+    </mc:Fallback>
+  </mc:AlternateContent>
+</p:sld>
+</file>
+
+<file path=ppt/slides/slide11.xml><?xml version="1.0" encoding="utf-8"?>
+<p:sld xmlns:a="http://schemas.openxmlformats.org/drawingml/2006/main" xmlns:r="http://schemas.openxmlformats.org/officeDocument/2006/relationships" xmlns:p="http://schemas.openxmlformats.org/presentationml/2006/main">
+  <p:cSld>
+    <p:spTree>
+      <p:nvGrpSpPr>
+        <p:cNvPr id="1" name=""/>
+        <p:cNvGrpSpPr/>
+        <p:nvPr/>
+      </p:nvGrpSpPr>
+      <p:grpSpPr>
+        <a:xfrm>
+          <a:off x="0" y="0"/>
+          <a:ext cx="0" cy="0"/>
+          <a:chOff x="0" y="0"/>
+          <a:chExt cx="0" cy="0"/>
+        </a:xfrm>
+      </p:grpSpPr>
+      <p:sp>
+        <p:nvSpPr>
+          <p:cNvPr id="2" name="Tytuł 1">
+            <a:extLst>
+              <a:ext uri="{FF2B5EF4-FFF2-40B4-BE49-F238E27FC236}">
+                <a16:creationId xmlns:a16="http://schemas.microsoft.com/office/drawing/2014/main" id="{F1092C1E-8186-4721-B2D4-4814DDD38EBB}"/>
+              </a:ext>
+            </a:extLst>
+          </p:cNvPr>
+          <p:cNvSpPr>
+            <a:spLocks noGrp="1"/>
+          </p:cNvSpPr>
+          <p:nvPr>
+            <p:ph type="title"/>
+          </p:nvPr>
+        </p:nvSpPr>
+        <p:spPr/>
+        <p:txBody>
+          <a:bodyPr/>
+          <a:lstStyle/>
+          <a:p>
+            <a:pPr algn="ctr"/>
+            <a:r>
+              <a:rPr lang="pl-PL" b="1" dirty="0"/>
+              <a:t>Rejestracja w systemie</a:t>
+            </a:r>
+          </a:p>
+        </p:txBody>
+      </p:sp>
+      <p:sp>
+        <p:nvSpPr>
+          <p:cNvPr id="3" name="Symbol zastępczy zawartości 2">
+            <a:extLst>
+              <a:ext uri="{FF2B5EF4-FFF2-40B4-BE49-F238E27FC236}">
+                <a16:creationId xmlns:a16="http://schemas.microsoft.com/office/drawing/2014/main" id="{BED17CEA-A2D2-48DD-BC56-912FC4DCEDB1}"/>
+              </a:ext>
+            </a:extLst>
+          </p:cNvPr>
+          <p:cNvSpPr>
+            <a:spLocks noGrp="1"/>
+          </p:cNvSpPr>
+          <p:nvPr>
+            <p:ph idx="1"/>
+          </p:nvPr>
+        </p:nvSpPr>
+        <p:spPr/>
+        <p:txBody>
+          <a:bodyPr/>
+          <a:lstStyle/>
+          <a:p>
+            <a:pPr marL="0" indent="0">
+              <a:buNone/>
+            </a:pPr>
+            <a:endParaRPr lang="pl-PL" dirty="0"/>
+          </a:p>
+        </p:txBody>
+      </p:sp>
+      <p:pic>
+        <p:nvPicPr>
+          <p:cNvPr id="4098" name="Picture 2" descr="signup">
+            <a:extLst>
+              <a:ext uri="{FF2B5EF4-FFF2-40B4-BE49-F238E27FC236}">
+                <a16:creationId xmlns:a16="http://schemas.microsoft.com/office/drawing/2014/main" id="{24A68366-40CD-4458-B771-BF9B77AF9CAF}"/>
+              </a:ext>
+            </a:extLst>
+          </p:cNvPr>
+          <p:cNvPicPr>
+            <a:picLocks noChangeAspect="1" noChangeArrowheads="1"/>
+          </p:cNvPicPr>
+          <p:nvPr/>
+        </p:nvPicPr>
+        <p:blipFill>
+          <a:blip r:embed="rId2">
+            <a:extLst>
+              <a:ext uri="{28A0092B-C50C-407E-A947-70E740481C1C}">
+                <a14:useLocalDpi xmlns:a14="http://schemas.microsoft.com/office/drawing/2010/main" val="0"/>
+              </a:ext>
+            </a:extLst>
+          </a:blip>
+          <a:srcRect/>
+          <a:stretch>
+            <a:fillRect/>
+          </a:stretch>
+        </p:blipFill>
+        <p:spPr bwMode="auto">
+          <a:xfrm>
+            <a:off x="1785687" y="1504162"/>
+            <a:ext cx="8620626" cy="5161331"/>
+          </a:xfrm>
+          <a:prstGeom prst="rect">
+            <a:avLst/>
+          </a:prstGeom>
+          <a:noFill/>
+          <a:ln>
+            <a:noFill/>
+          </a:ln>
+          <a:extLst>
+            <a:ext uri="{909E8E84-426E-40DD-AFC4-6F175D3DCCD1}">
+              <a14:hiddenFill xmlns:a14="http://schemas.microsoft.com/office/drawing/2010/main">
+                <a:solidFill>
+                  <a:srgbClr val="FFFFFF"/>
+                </a:solidFill>
+              </a14:hiddenFill>
+            </a:ext>
+            <a:ext uri="{91240B29-F687-4F45-9708-019B960494DF}">
+              <a14:hiddenLine xmlns:a14="http://schemas.microsoft.com/office/drawing/2010/main" w="9525">
+                <a:solidFill>
+                  <a:srgbClr val="000000"/>
+                </a:solidFill>
+                <a:miter lim="800000"/>
+                <a:headEnd/>
+                <a:tailEnd/>
+              </a14:hiddenLine>
+            </a:ext>
+          </a:extLst>
+        </p:spPr>
+      </p:pic>
+    </p:spTree>
+    <p:extLst>
+      <p:ext uri="{BB962C8B-B14F-4D97-AF65-F5344CB8AC3E}">
+        <p14:creationId xmlns:p14="http://schemas.microsoft.com/office/powerpoint/2010/main" val="4077164435"/>
+      </p:ext>
+    </p:extLst>
+  </p:cSld>
+  <p:clrMapOvr>
+    <a:masterClrMapping/>
+  </p:clrMapOvr>
+  <mc:AlternateContent xmlns:mc="http://schemas.openxmlformats.org/markup-compatibility/2006" xmlns:p159="http://schemas.microsoft.com/office/powerpoint/2015/09/main">
+    <mc:Choice Requires="p159">
+      <p:transition xmlns:p14="http://schemas.microsoft.com/office/powerpoint/2010/main" spd="slow" p14:dur="2000">
+        <p159:morph option="byObject"/>
+      </p:transition>
+    </mc:Choice>
+    <mc:Fallback xmlns="">
+      <p:transition spd="slow">
+        <p:fade/>
+      </p:transition>
+    </mc:Fallback>
+  </mc:AlternateContent>
+</p:sld>
+</file>
+
+<file path=ppt/slides/slide12.xml><?xml version="1.0" encoding="utf-8"?>
+<p:sld xmlns:a="http://schemas.openxmlformats.org/drawingml/2006/main" xmlns:r="http://schemas.openxmlformats.org/officeDocument/2006/relationships" xmlns:p="http://schemas.openxmlformats.org/presentationml/2006/main">
+  <p:cSld>
+    <p:spTree>
+      <p:nvGrpSpPr>
+        <p:cNvPr id="1" name=""/>
+        <p:cNvGrpSpPr/>
+        <p:nvPr/>
+      </p:nvGrpSpPr>
+      <p:grpSpPr>
+        <a:xfrm>
+          <a:off x="0" y="0"/>
+          <a:ext cx="0" cy="0"/>
+          <a:chOff x="0" y="0"/>
+          <a:chExt cx="0" cy="0"/>
+        </a:xfrm>
+      </p:grpSpPr>
+      <p:sp>
+        <p:nvSpPr>
+          <p:cNvPr id="2" name="Tytuł 1">
+            <a:extLst>
+              <a:ext uri="{FF2B5EF4-FFF2-40B4-BE49-F238E27FC236}">
+                <a16:creationId xmlns:a16="http://schemas.microsoft.com/office/drawing/2014/main" id="{F1092C1E-8186-4721-B2D4-4814DDD38EBB}"/>
+              </a:ext>
+            </a:extLst>
+          </p:cNvPr>
+          <p:cNvSpPr>
+            <a:spLocks noGrp="1"/>
+          </p:cNvSpPr>
+          <p:nvPr>
+            <p:ph type="title"/>
+          </p:nvPr>
+        </p:nvSpPr>
         <p:spPr/>
         <p:txBody>
           <a:bodyPr/>
@@ -3567,13 +3808,13 @@
   <p:clrMapOvr>
     <a:masterClrMapping/>
   </p:clrMapOvr>
-  <mc:AlternateContent xmlns:mc="http://schemas.openxmlformats.org/markup-compatibility/2006">
-    <mc:Choice xmlns:p159="http://schemas.microsoft.com/office/powerpoint/2015/09/main" Requires="p159">
+  <mc:AlternateContent xmlns:mc="http://schemas.openxmlformats.org/markup-compatibility/2006" xmlns:p159="http://schemas.microsoft.com/office/powerpoint/2015/09/main">
+    <mc:Choice Requires="p159">
       <p:transition xmlns:p14="http://schemas.microsoft.com/office/powerpoint/2010/main" spd="slow" p14:dur="2000">
         <p159:morph option="byObject"/>
       </p:transition>
     </mc:Choice>
-    <mc:Fallback>
+    <mc:Fallback xmlns="">
       <p:transition spd="slow">
         <p:fade/>
       </p:transition>
@@ -3582,7 +3823,7 @@
 </p:sld>
 </file>
 
-<file path=ppt/slides/slide11.xml><?xml version="1.0" encoding="utf-8"?>
+<file path=ppt/slides/slide13.xml><?xml version="1.0" encoding="utf-8"?>
 <p:sld xmlns:a="http://schemas.openxmlformats.org/drawingml/2006/main" xmlns:r="http://schemas.openxmlformats.org/officeDocument/2006/relationships" xmlns:p="http://schemas.openxmlformats.org/presentationml/2006/main">
   <p:cSld>
     <p:spTree>
@@ -3726,13 +3967,13 @@
   <p:clrMapOvr>
     <a:masterClrMapping/>
   </p:clrMapOvr>
-  <mc:AlternateContent xmlns:mc="http://schemas.openxmlformats.org/markup-compatibility/2006">
-    <mc:Choice xmlns:p159="http://schemas.microsoft.com/office/powerpoint/2015/09/main" Requires="p159">
+  <mc:AlternateContent xmlns:mc="http://schemas.openxmlformats.org/markup-compatibility/2006" xmlns:p159="http://schemas.microsoft.com/office/powerpoint/2015/09/main">
+    <mc:Choice Requires="p159">
       <p:transition xmlns:p14="http://schemas.microsoft.com/office/powerpoint/2010/main" spd="slow" p14:dur="2000">
         <p159:morph option="byObject"/>
       </p:transition>
     </mc:Choice>
-    <mc:Fallback>
+    <mc:Fallback xmlns="">
       <p:transition spd="slow">
         <p:fade/>
       </p:transition>
@@ -3741,7 +3982,7 @@
 </p:sld>
 </file>
 
-<file path=ppt/slides/slide12.xml><?xml version="1.0" encoding="utf-8"?>
+<file path=ppt/slides/slide14.xml><?xml version="1.0" encoding="utf-8"?>
 <p:sld xmlns:a="http://schemas.openxmlformats.org/drawingml/2006/main" xmlns:r="http://schemas.openxmlformats.org/officeDocument/2006/relationships" xmlns:p="http://schemas.openxmlformats.org/presentationml/2006/main">
   <p:cSld>
     <p:spTree>
@@ -3885,13 +4126,13 @@
   <p:clrMapOvr>
     <a:masterClrMapping/>
   </p:clrMapOvr>
-  <mc:AlternateContent xmlns:mc="http://schemas.openxmlformats.org/markup-compatibility/2006">
-    <mc:Choice xmlns:p159="http://schemas.microsoft.com/office/powerpoint/2015/09/main" Requires="p159">
+  <mc:AlternateContent xmlns:mc="http://schemas.openxmlformats.org/markup-compatibility/2006" xmlns:p159="http://schemas.microsoft.com/office/powerpoint/2015/09/main">
+    <mc:Choice Requires="p159">
       <p:transition xmlns:p14="http://schemas.microsoft.com/office/powerpoint/2010/main" spd="slow" p14:dur="2000">
         <p159:morph option="byObject"/>
       </p:transition>
     </mc:Choice>
-    <mc:Fallback>
+    <mc:Fallback xmlns="">
       <p:transition spd="slow">
         <p:fade/>
       </p:transition>
@@ -3900,7 +4141,7 @@
 </p:sld>
 </file>
 
-<file path=ppt/slides/slide13.xml><?xml version="1.0" encoding="utf-8"?>
+<file path=ppt/slides/slide15.xml><?xml version="1.0" encoding="utf-8"?>
 <p:sld xmlns:a="http://schemas.openxmlformats.org/drawingml/2006/main" xmlns:r="http://schemas.openxmlformats.org/officeDocument/2006/relationships" xmlns:p="http://schemas.openxmlformats.org/presentationml/2006/main">
   <p:cSld>
     <p:spTree>
@@ -4044,13 +4285,13 @@
   <p:clrMapOvr>
     <a:masterClrMapping/>
   </p:clrMapOvr>
-  <mc:AlternateContent xmlns:mc="http://schemas.openxmlformats.org/markup-compatibility/2006">
-    <mc:Choice xmlns:p159="http://schemas.microsoft.com/office/powerpoint/2015/09/main" Requires="p159">
+  <mc:AlternateContent xmlns:mc="http://schemas.openxmlformats.org/markup-compatibility/2006" xmlns:p159="http://schemas.microsoft.com/office/powerpoint/2015/09/main">
+    <mc:Choice Requires="p159">
       <p:transition xmlns:p14="http://schemas.microsoft.com/office/powerpoint/2010/main" spd="slow" p14:dur="2000">
         <p159:morph option="byObject"/>
       </p:transition>
     </mc:Choice>
-    <mc:Fallback>
+    <mc:Fallback xmlns="">
       <p:transition spd="slow">
         <p:fade/>
       </p:transition>
@@ -4059,7 +4300,7 @@
 </p:sld>
 </file>
 
-<file path=ppt/slides/slide14.xml><?xml version="1.0" encoding="utf-8"?>
+<file path=ppt/slides/slide16.xml><?xml version="1.0" encoding="utf-8"?>
 <p:sld xmlns:a="http://schemas.openxmlformats.org/drawingml/2006/main" xmlns:r="http://schemas.openxmlformats.org/officeDocument/2006/relationships" xmlns:p="http://schemas.openxmlformats.org/presentationml/2006/main">
   <p:cSld>
     <p:spTree>
@@ -4203,13 +4444,13 @@
   <p:clrMapOvr>
     <a:masterClrMapping/>
   </p:clrMapOvr>
-  <mc:AlternateContent xmlns:mc="http://schemas.openxmlformats.org/markup-compatibility/2006">
-    <mc:Choice xmlns:p159="http://schemas.microsoft.com/office/powerpoint/2015/09/main" Requires="p159">
+  <mc:AlternateContent xmlns:mc="http://schemas.openxmlformats.org/markup-compatibility/2006" xmlns:p159="http://schemas.microsoft.com/office/powerpoint/2015/09/main">
+    <mc:Choice Requires="p159">
       <p:transition xmlns:p14="http://schemas.microsoft.com/office/powerpoint/2010/main" spd="slow" p14:dur="2000">
         <p159:morph option="byObject"/>
       </p:transition>
     </mc:Choice>
-    <mc:Fallback>
+    <mc:Fallback xmlns="">
       <p:transition spd="slow">
         <p:fade/>
       </p:transition>
@@ -4218,7 +4459,7 @@
 </p:sld>
 </file>
 
-<file path=ppt/slides/slide15.xml><?xml version="1.0" encoding="utf-8"?>
+<file path=ppt/slides/slide17.xml><?xml version="1.0" encoding="utf-8"?>
 <p:sld xmlns:a="http://schemas.openxmlformats.org/drawingml/2006/main" xmlns:r="http://schemas.openxmlformats.org/officeDocument/2006/relationships" xmlns:p="http://schemas.openxmlformats.org/presentationml/2006/main">
   <p:cSld>
     <p:spTree>
@@ -4362,13 +4603,13 @@
   <p:clrMapOvr>
     <a:masterClrMapping/>
   </p:clrMapOvr>
-  <mc:AlternateContent xmlns:mc="http://schemas.openxmlformats.org/markup-compatibility/2006">
-    <mc:Choice xmlns:p159="http://schemas.microsoft.com/office/powerpoint/2015/09/main" Requires="p159">
+  <mc:AlternateContent xmlns:mc="http://schemas.openxmlformats.org/markup-compatibility/2006" xmlns:p159="http://schemas.microsoft.com/office/powerpoint/2015/09/main">
+    <mc:Choice Requires="p159">
       <p:transition xmlns:p14="http://schemas.microsoft.com/office/powerpoint/2010/main" spd="slow" p14:dur="2000">
         <p159:morph option="byObject"/>
       </p:transition>
     </mc:Choice>
-    <mc:Fallback>
+    <mc:Fallback xmlns="">
       <p:transition spd="slow">
         <p:fade/>
       </p:transition>
@@ -4377,7 +4618,7 @@
 </p:sld>
 </file>
 
-<file path=ppt/slides/slide16.xml><?xml version="1.0" encoding="utf-8"?>
+<file path=ppt/slides/slide18.xml><?xml version="1.0" encoding="utf-8"?>
 <p:sld xmlns:a="http://schemas.openxmlformats.org/drawingml/2006/main" xmlns:r="http://schemas.openxmlformats.org/officeDocument/2006/relationships" xmlns:p="http://schemas.openxmlformats.org/presentationml/2006/main">
   <p:cSld>
     <p:spTree>
@@ -4521,253 +4762,13 @@
   <p:clrMapOvr>
     <a:masterClrMapping/>
   </p:clrMapOvr>
-  <mc:AlternateContent xmlns:mc="http://schemas.openxmlformats.org/markup-compatibility/2006">
-    <mc:Choice xmlns:p159="http://schemas.microsoft.com/office/powerpoint/2015/09/main" Requires="p159">
+  <mc:AlternateContent xmlns:mc="http://schemas.openxmlformats.org/markup-compatibility/2006" xmlns:p159="http://schemas.microsoft.com/office/powerpoint/2015/09/main">
+    <mc:Choice Requires="p159">
       <p:transition xmlns:p14="http://schemas.microsoft.com/office/powerpoint/2010/main" spd="slow" p14:dur="2000">
         <p159:morph option="byObject"/>
       </p:transition>
     </mc:Choice>
-    <mc:Fallback>
-      <p:transition spd="slow">
-        <p:fade/>
-      </p:transition>
-    </mc:Fallback>
-  </mc:AlternateContent>
-</p:sld>
-</file>
-
-<file path=ppt/slides/slide17.xml><?xml version="1.0" encoding="utf-8"?>
-<p:sld xmlns:a="http://schemas.openxmlformats.org/drawingml/2006/main" xmlns:r="http://schemas.openxmlformats.org/officeDocument/2006/relationships" xmlns:p="http://schemas.openxmlformats.org/presentationml/2006/main">
-  <p:cSld>
-    <p:spTree>
-      <p:nvGrpSpPr>
-        <p:cNvPr id="1" name=""/>
-        <p:cNvGrpSpPr/>
-        <p:nvPr/>
-      </p:nvGrpSpPr>
-      <p:grpSpPr>
-        <a:xfrm>
-          <a:off x="0" y="0"/>
-          <a:ext cx="0" cy="0"/>
-          <a:chOff x="0" y="0"/>
-          <a:chExt cx="0" cy="0"/>
-        </a:xfrm>
-      </p:grpSpPr>
-      <p:sp>
-        <p:nvSpPr>
-          <p:cNvPr id="2" name="Tytuł 1">
-            <a:extLst>
-              <a:ext uri="{FF2B5EF4-FFF2-40B4-BE49-F238E27FC236}">
-                <a16:creationId xmlns:a16="http://schemas.microsoft.com/office/drawing/2014/main" id="{F1092C1E-8186-4721-B2D4-4814DDD38EBB}"/>
-              </a:ext>
-            </a:extLst>
-          </p:cNvPr>
-          <p:cNvSpPr>
-            <a:spLocks noGrp="1"/>
-          </p:cNvSpPr>
-          <p:nvPr>
-            <p:ph type="title"/>
-          </p:nvPr>
-        </p:nvSpPr>
-        <p:spPr>
-          <a:xfrm>
-            <a:off x="838200" y="2766218"/>
-            <a:ext cx="10515600" cy="1325563"/>
-          </a:xfrm>
-        </p:spPr>
-        <p:txBody>
-          <a:bodyPr/>
-          <a:lstStyle/>
-          <a:p>
-            <a:pPr algn="ctr"/>
-            <a:r>
-              <a:rPr lang="pl-PL" b="1" dirty="0"/>
-              <a:t>Aplikacja – wersja pracownika</a:t>
-            </a:r>
-          </a:p>
-        </p:txBody>
-      </p:sp>
-    </p:spTree>
-    <p:extLst>
-      <p:ext uri="{BB962C8B-B14F-4D97-AF65-F5344CB8AC3E}">
-        <p14:creationId xmlns:p14="http://schemas.microsoft.com/office/powerpoint/2010/main" val="1813538612"/>
-      </p:ext>
-    </p:extLst>
-  </p:cSld>
-  <p:clrMapOvr>
-    <a:masterClrMapping/>
-  </p:clrMapOvr>
-  <mc:AlternateContent xmlns:mc="http://schemas.openxmlformats.org/markup-compatibility/2006">
-    <mc:Choice xmlns:p159="http://schemas.microsoft.com/office/powerpoint/2015/09/main" Requires="p159">
-      <p:transition xmlns:p14="http://schemas.microsoft.com/office/powerpoint/2010/main" spd="slow" p14:dur="2000">
-        <p159:morph option="byObject"/>
-      </p:transition>
-    </mc:Choice>
-    <mc:Fallback>
-      <p:transition spd="slow">
-        <p:fade/>
-      </p:transition>
-    </mc:Fallback>
-  </mc:AlternateContent>
-</p:sld>
-</file>
-
-<file path=ppt/slides/slide18.xml><?xml version="1.0" encoding="utf-8"?>
-<p:sld xmlns:a="http://schemas.openxmlformats.org/drawingml/2006/main" xmlns:r="http://schemas.openxmlformats.org/officeDocument/2006/relationships" xmlns:p="http://schemas.openxmlformats.org/presentationml/2006/main">
-  <p:cSld>
-    <p:spTree>
-      <p:nvGrpSpPr>
-        <p:cNvPr id="1" name=""/>
-        <p:cNvGrpSpPr/>
-        <p:nvPr/>
-      </p:nvGrpSpPr>
-      <p:grpSpPr>
-        <a:xfrm>
-          <a:off x="0" y="0"/>
-          <a:ext cx="0" cy="0"/>
-          <a:chOff x="0" y="0"/>
-          <a:chExt cx="0" cy="0"/>
-        </a:xfrm>
-      </p:grpSpPr>
-      <p:sp>
-        <p:nvSpPr>
-          <p:cNvPr id="2" name="Tytuł 1">
-            <a:extLst>
-              <a:ext uri="{FF2B5EF4-FFF2-40B4-BE49-F238E27FC236}">
-                <a16:creationId xmlns:a16="http://schemas.microsoft.com/office/drawing/2014/main" id="{F1092C1E-8186-4721-B2D4-4814DDD38EBB}"/>
-              </a:ext>
-            </a:extLst>
-          </p:cNvPr>
-          <p:cNvSpPr>
-            <a:spLocks noGrp="1"/>
-          </p:cNvSpPr>
-          <p:nvPr>
-            <p:ph type="title"/>
-          </p:nvPr>
-        </p:nvSpPr>
-        <p:spPr>
-          <a:xfrm>
-            <a:off x="611604" y="383171"/>
-            <a:ext cx="10968789" cy="1325563"/>
-          </a:xfrm>
-        </p:spPr>
-        <p:txBody>
-          <a:bodyPr/>
-          <a:lstStyle/>
-          <a:p>
-            <a:pPr algn="ctr"/>
-            <a:r>
-              <a:rPr lang="pl-PL" b="1" dirty="0"/>
-              <a:t>Zarządzanie rezerwacjami dla klientów bez konta</a:t>
-            </a:r>
-          </a:p>
-        </p:txBody>
-      </p:sp>
-      <p:sp>
-        <p:nvSpPr>
-          <p:cNvPr id="3" name="Symbol zastępczy zawartości 2">
-            <a:extLst>
-              <a:ext uri="{FF2B5EF4-FFF2-40B4-BE49-F238E27FC236}">
-                <a16:creationId xmlns:a16="http://schemas.microsoft.com/office/drawing/2014/main" id="{BED17CEA-A2D2-48DD-BC56-912FC4DCEDB1}"/>
-              </a:ext>
-            </a:extLst>
-          </p:cNvPr>
-          <p:cNvSpPr>
-            <a:spLocks noGrp="1"/>
-          </p:cNvSpPr>
-          <p:nvPr>
-            <p:ph idx="1"/>
-          </p:nvPr>
-        </p:nvSpPr>
-        <p:spPr/>
-        <p:txBody>
-          <a:bodyPr/>
-          <a:lstStyle/>
-          <a:p>
-            <a:pPr marL="0" indent="0">
-              <a:buNone/>
-            </a:pPr>
-            <a:endParaRPr lang="pl-PL" dirty="0"/>
-          </a:p>
-        </p:txBody>
-      </p:sp>
-      <p:pic>
-        <p:nvPicPr>
-          <p:cNvPr id="12290" name="Picture 2" descr="showtimesEmp">
-            <a:extLst>
-              <a:ext uri="{FF2B5EF4-FFF2-40B4-BE49-F238E27FC236}">
-                <a16:creationId xmlns:a16="http://schemas.microsoft.com/office/drawing/2014/main" id="{CF453C9F-20C6-4F01-894B-47120611F916}"/>
-              </a:ext>
-            </a:extLst>
-          </p:cNvPr>
-          <p:cNvPicPr>
-            <a:picLocks noChangeAspect="1" noChangeArrowheads="1"/>
-          </p:cNvPicPr>
-          <p:nvPr/>
-        </p:nvPicPr>
-        <p:blipFill>
-          <a:blip r:embed="rId2">
-            <a:extLst>
-              <a:ext uri="{28A0092B-C50C-407E-A947-70E740481C1C}">
-                <a14:useLocalDpi xmlns:a14="http://schemas.microsoft.com/office/drawing/2010/main" val="0"/>
-              </a:ext>
-            </a:extLst>
-          </a:blip>
-          <a:srcRect/>
-          <a:stretch>
-            <a:fillRect/>
-          </a:stretch>
-        </p:blipFill>
-        <p:spPr bwMode="auto">
-          <a:xfrm>
-            <a:off x="2576345" y="1747698"/>
-            <a:ext cx="7039309" cy="5110302"/>
-          </a:xfrm>
-          <a:prstGeom prst="rect">
-            <a:avLst/>
-          </a:prstGeom>
-          <a:noFill/>
-          <a:ln>
-            <a:noFill/>
-          </a:ln>
-          <a:extLst>
-            <a:ext uri="{909E8E84-426E-40DD-AFC4-6F175D3DCCD1}">
-              <a14:hiddenFill xmlns:a14="http://schemas.microsoft.com/office/drawing/2010/main">
-                <a:solidFill>
-                  <a:srgbClr val="FFFFFF"/>
-                </a:solidFill>
-              </a14:hiddenFill>
-            </a:ext>
-            <a:ext uri="{91240B29-F687-4F45-9708-019B960494DF}">
-              <a14:hiddenLine xmlns:a14="http://schemas.microsoft.com/office/drawing/2010/main" w="9525">
-                <a:solidFill>
-                  <a:srgbClr val="000000"/>
-                </a:solidFill>
-                <a:miter lim="800000"/>
-                <a:headEnd/>
-                <a:tailEnd/>
-              </a14:hiddenLine>
-            </a:ext>
-          </a:extLst>
-        </p:spPr>
-      </p:pic>
-    </p:spTree>
-    <p:extLst>
-      <p:ext uri="{BB962C8B-B14F-4D97-AF65-F5344CB8AC3E}">
-        <p14:creationId xmlns:p14="http://schemas.microsoft.com/office/powerpoint/2010/main" val="3548698657"/>
-      </p:ext>
-    </p:extLst>
-  </p:cSld>
-  <p:clrMapOvr>
-    <a:masterClrMapping/>
-  </p:clrMapOvr>
-  <mc:AlternateContent xmlns:mc="http://schemas.openxmlformats.org/markup-compatibility/2006">
-    <mc:Choice xmlns:p159="http://schemas.microsoft.com/office/powerpoint/2015/09/main" Requires="p159">
-      <p:transition xmlns:p14="http://schemas.microsoft.com/office/powerpoint/2010/main" spd="slow" p14:dur="2000">
-        <p159:morph option="byObject"/>
-      </p:transition>
-    </mc:Choice>
-    <mc:Fallback>
+    <mc:Fallback xmlns="">
       <p:transition spd="slow">
         <p:fade/>
       </p:transition>
@@ -4809,7 +4810,12 @@
             <p:ph type="title"/>
           </p:nvPr>
         </p:nvSpPr>
-        <p:spPr/>
+        <p:spPr>
+          <a:xfrm>
+            <a:off x="838200" y="2766218"/>
+            <a:ext cx="10515600" cy="1325563"/>
+          </a:xfrm>
+        </p:spPr>
         <p:txBody>
           <a:bodyPr/>
           <a:lstStyle/>
@@ -4817,116 +4823,28 @@
             <a:pPr algn="ctr"/>
             <a:r>
               <a:rPr lang="pl-PL" b="1" dirty="0"/>
-              <a:t>Usuwanie rezerwacji</a:t>
-            </a:r>
-          </a:p>
-        </p:txBody>
-      </p:sp>
-      <p:sp>
-        <p:nvSpPr>
-          <p:cNvPr id="3" name="Symbol zastępczy zawartości 2">
-            <a:extLst>
-              <a:ext uri="{FF2B5EF4-FFF2-40B4-BE49-F238E27FC236}">
-                <a16:creationId xmlns:a16="http://schemas.microsoft.com/office/drawing/2014/main" id="{BED17CEA-A2D2-48DD-BC56-912FC4DCEDB1}"/>
-              </a:ext>
-            </a:extLst>
-          </p:cNvPr>
-          <p:cNvSpPr>
-            <a:spLocks noGrp="1"/>
-          </p:cNvSpPr>
-          <p:nvPr>
-            <p:ph idx="1"/>
-          </p:nvPr>
-        </p:nvSpPr>
-        <p:spPr/>
-        <p:txBody>
-          <a:bodyPr/>
-          <a:lstStyle/>
-          <a:p>
-            <a:pPr marL="0" indent="0">
-              <a:buNone/>
-            </a:pPr>
-            <a:endParaRPr lang="pl-PL" dirty="0"/>
-          </a:p>
-        </p:txBody>
-      </p:sp>
-      <p:pic>
-        <p:nvPicPr>
-          <p:cNvPr id="13314" name="Picture 2" descr="bookings">
-            <a:extLst>
-              <a:ext uri="{FF2B5EF4-FFF2-40B4-BE49-F238E27FC236}">
-                <a16:creationId xmlns:a16="http://schemas.microsoft.com/office/drawing/2014/main" id="{CF84F798-21BF-4679-B3E4-EC4634405289}"/>
-              </a:ext>
-            </a:extLst>
-          </p:cNvPr>
-          <p:cNvPicPr>
-            <a:picLocks noChangeAspect="1" noChangeArrowheads="1"/>
-          </p:cNvPicPr>
-          <p:nvPr/>
-        </p:nvPicPr>
-        <p:blipFill>
-          <a:blip r:embed="rId2">
-            <a:extLst>
-              <a:ext uri="{28A0092B-C50C-407E-A947-70E740481C1C}">
-                <a14:useLocalDpi xmlns:a14="http://schemas.microsoft.com/office/drawing/2010/main" val="0"/>
-              </a:ext>
-            </a:extLst>
-          </a:blip>
-          <a:srcRect/>
-          <a:stretch>
-            <a:fillRect/>
-          </a:stretch>
-        </p:blipFill>
-        <p:spPr bwMode="auto">
-          <a:xfrm>
-            <a:off x="2501617" y="1418926"/>
-            <a:ext cx="7188765" cy="5246129"/>
-          </a:xfrm>
-          <a:prstGeom prst="rect">
-            <a:avLst/>
-          </a:prstGeom>
-          <a:noFill/>
-          <a:ln>
-            <a:noFill/>
-          </a:ln>
-          <a:extLst>
-            <a:ext uri="{909E8E84-426E-40DD-AFC4-6F175D3DCCD1}">
-              <a14:hiddenFill xmlns:a14="http://schemas.microsoft.com/office/drawing/2010/main">
-                <a:solidFill>
-                  <a:srgbClr val="FFFFFF"/>
-                </a:solidFill>
-              </a14:hiddenFill>
-            </a:ext>
-            <a:ext uri="{91240B29-F687-4F45-9708-019B960494DF}">
-              <a14:hiddenLine xmlns:a14="http://schemas.microsoft.com/office/drawing/2010/main" w="9525">
-                <a:solidFill>
-                  <a:srgbClr val="000000"/>
-                </a:solidFill>
-                <a:miter lim="800000"/>
-                <a:headEnd/>
-                <a:tailEnd/>
-              </a14:hiddenLine>
-            </a:ext>
-          </a:extLst>
-        </p:spPr>
-      </p:pic>
+              <a:t>Aplikacja – wersja pracownika</a:t>
+            </a:r>
+          </a:p>
+        </p:txBody>
+      </p:sp>
     </p:spTree>
     <p:extLst>
       <p:ext uri="{BB962C8B-B14F-4D97-AF65-F5344CB8AC3E}">
-        <p14:creationId xmlns:p14="http://schemas.microsoft.com/office/powerpoint/2010/main" val="1424466301"/>
+        <p14:creationId xmlns:p14="http://schemas.microsoft.com/office/powerpoint/2010/main" val="1813538612"/>
       </p:ext>
     </p:extLst>
   </p:cSld>
   <p:clrMapOvr>
     <a:masterClrMapping/>
   </p:clrMapOvr>
-  <mc:AlternateContent xmlns:mc="http://schemas.openxmlformats.org/markup-compatibility/2006">
-    <mc:Choice xmlns:p159="http://schemas.microsoft.com/office/powerpoint/2015/09/main" Requires="p159">
+  <mc:AlternateContent xmlns:mc="http://schemas.openxmlformats.org/markup-compatibility/2006" xmlns:p159="http://schemas.microsoft.com/office/powerpoint/2015/09/main">
+    <mc:Choice Requires="p159">
       <p:transition xmlns:p14="http://schemas.microsoft.com/office/powerpoint/2010/main" spd="slow" p14:dur="2000">
         <p159:morph option="byObject"/>
       </p:transition>
     </mc:Choice>
-    <mc:Fallback>
+    <mc:Fallback xmlns="">
       <p:transition spd="slow">
         <p:fade/>
       </p:transition>
@@ -5035,14 +4953,14 @@
           <p:nvPr>
             <p:extLst>
               <p:ext uri="{D42A27DB-BD31-4B8C-83A1-F6EECF244321}">
-                <p14:modId xmlns:p14="http://schemas.microsoft.com/office/powerpoint/2010/main" val="1978835215"/>
+                <p14:modId xmlns:p14="http://schemas.microsoft.com/office/powerpoint/2010/main" val="4128543616"/>
               </p:ext>
             </p:extLst>
           </p:nvPr>
         </p:nvGraphicFramePr>
         <p:xfrm>
           <a:off x="838199" y="3259613"/>
-          <a:ext cx="10515600" cy="3354547"/>
+          <a:ext cx="10515600" cy="2906692"/>
         </p:xfrm>
         <a:graphic>
           <a:graphicData uri="http://schemas.openxmlformats.org/drawingml/2006/table">
@@ -5134,7 +5052,7 @@
                       </a:pPr>
                       <a:r>
                         <a:rPr lang="pl-PL" sz="2400" dirty="0"/>
-                        <a:t>odpowiedzialny za zarządzanie bazą filmów; </a:t>
+                        <a:t>odpowiedzialny za zarządzanie bazą filmów oraz seansami; </a:t>
                       </a:r>
                     </a:p>
                     <a:p>
@@ -5151,7 +5069,7 @@
                       </a:pPr>
                       <a:r>
                         <a:rPr lang="pl-PL" sz="2400" dirty="0"/>
-                        <a:t>zarządzaniem poszczególnych uprawnień użytkowników;</a:t>
+                        <a:t>usuwanie użytkowników;</a:t>
                       </a:r>
                     </a:p>
                   </a:txBody>
@@ -5228,13 +5146,13 @@
   <p:clrMapOvr>
     <a:masterClrMapping/>
   </p:clrMapOvr>
-  <mc:AlternateContent xmlns:mc="http://schemas.openxmlformats.org/markup-compatibility/2006">
-    <mc:Choice xmlns:p159="http://schemas.microsoft.com/office/powerpoint/2015/09/main" Requires="p159">
+  <mc:AlternateContent xmlns:mc="http://schemas.openxmlformats.org/markup-compatibility/2006" xmlns:p159="http://schemas.microsoft.com/office/powerpoint/2015/09/main">
+    <mc:Choice Requires="p159">
       <p:transition xmlns:p14="http://schemas.microsoft.com/office/powerpoint/2010/main" spd="slow" p14:dur="2000">
         <p159:morph option="byObject"/>
       </p:transition>
     </mc:Choice>
-    <mc:Fallback>
+    <mc:Fallback xmlns="">
       <p:transition spd="slow">
         <p:fade/>
       </p:transition>
@@ -5278,6 +5196,329 @@
         </p:nvSpPr>
         <p:spPr>
           <a:xfrm>
+            <a:off x="611604" y="383171"/>
+            <a:ext cx="10968789" cy="1325563"/>
+          </a:xfrm>
+        </p:spPr>
+        <p:txBody>
+          <a:bodyPr/>
+          <a:lstStyle/>
+          <a:p>
+            <a:pPr algn="ctr"/>
+            <a:r>
+              <a:rPr lang="pl-PL" b="1" dirty="0"/>
+              <a:t>Zarządzanie rezerwacjami dla klientów bez konta</a:t>
+            </a:r>
+          </a:p>
+        </p:txBody>
+      </p:sp>
+      <p:sp>
+        <p:nvSpPr>
+          <p:cNvPr id="3" name="Symbol zastępczy zawartości 2">
+            <a:extLst>
+              <a:ext uri="{FF2B5EF4-FFF2-40B4-BE49-F238E27FC236}">
+                <a16:creationId xmlns:a16="http://schemas.microsoft.com/office/drawing/2014/main" id="{BED17CEA-A2D2-48DD-BC56-912FC4DCEDB1}"/>
+              </a:ext>
+            </a:extLst>
+          </p:cNvPr>
+          <p:cNvSpPr>
+            <a:spLocks noGrp="1"/>
+          </p:cNvSpPr>
+          <p:nvPr>
+            <p:ph idx="1"/>
+          </p:nvPr>
+        </p:nvSpPr>
+        <p:spPr/>
+        <p:txBody>
+          <a:bodyPr/>
+          <a:lstStyle/>
+          <a:p>
+            <a:pPr marL="0" indent="0">
+              <a:buNone/>
+            </a:pPr>
+            <a:endParaRPr lang="pl-PL" dirty="0"/>
+          </a:p>
+        </p:txBody>
+      </p:sp>
+      <p:pic>
+        <p:nvPicPr>
+          <p:cNvPr id="12290" name="Picture 2" descr="showtimesEmp">
+            <a:extLst>
+              <a:ext uri="{FF2B5EF4-FFF2-40B4-BE49-F238E27FC236}">
+                <a16:creationId xmlns:a16="http://schemas.microsoft.com/office/drawing/2014/main" id="{CF453C9F-20C6-4F01-894B-47120611F916}"/>
+              </a:ext>
+            </a:extLst>
+          </p:cNvPr>
+          <p:cNvPicPr>
+            <a:picLocks noChangeAspect="1" noChangeArrowheads="1"/>
+          </p:cNvPicPr>
+          <p:nvPr/>
+        </p:nvPicPr>
+        <p:blipFill>
+          <a:blip r:embed="rId2">
+            <a:extLst>
+              <a:ext uri="{28A0092B-C50C-407E-A947-70E740481C1C}">
+                <a14:useLocalDpi xmlns:a14="http://schemas.microsoft.com/office/drawing/2010/main" val="0"/>
+              </a:ext>
+            </a:extLst>
+          </a:blip>
+          <a:srcRect/>
+          <a:stretch>
+            <a:fillRect/>
+          </a:stretch>
+        </p:blipFill>
+        <p:spPr bwMode="auto">
+          <a:xfrm>
+            <a:off x="2576345" y="1747698"/>
+            <a:ext cx="7039309" cy="5110302"/>
+          </a:xfrm>
+          <a:prstGeom prst="rect">
+            <a:avLst/>
+          </a:prstGeom>
+          <a:noFill/>
+          <a:ln>
+            <a:noFill/>
+          </a:ln>
+          <a:extLst>
+            <a:ext uri="{909E8E84-426E-40DD-AFC4-6F175D3DCCD1}">
+              <a14:hiddenFill xmlns:a14="http://schemas.microsoft.com/office/drawing/2010/main">
+                <a:solidFill>
+                  <a:srgbClr val="FFFFFF"/>
+                </a:solidFill>
+              </a14:hiddenFill>
+            </a:ext>
+            <a:ext uri="{91240B29-F687-4F45-9708-019B960494DF}">
+              <a14:hiddenLine xmlns:a14="http://schemas.microsoft.com/office/drawing/2010/main" w="9525">
+                <a:solidFill>
+                  <a:srgbClr val="000000"/>
+                </a:solidFill>
+                <a:miter lim="800000"/>
+                <a:headEnd/>
+                <a:tailEnd/>
+              </a14:hiddenLine>
+            </a:ext>
+          </a:extLst>
+        </p:spPr>
+      </p:pic>
+    </p:spTree>
+    <p:extLst>
+      <p:ext uri="{BB962C8B-B14F-4D97-AF65-F5344CB8AC3E}">
+        <p14:creationId xmlns:p14="http://schemas.microsoft.com/office/powerpoint/2010/main" val="3548698657"/>
+      </p:ext>
+    </p:extLst>
+  </p:cSld>
+  <p:clrMapOvr>
+    <a:masterClrMapping/>
+  </p:clrMapOvr>
+  <mc:AlternateContent xmlns:mc="http://schemas.openxmlformats.org/markup-compatibility/2006" xmlns:p159="http://schemas.microsoft.com/office/powerpoint/2015/09/main">
+    <mc:Choice Requires="p159">
+      <p:transition xmlns:p14="http://schemas.microsoft.com/office/powerpoint/2010/main" spd="slow" p14:dur="2000">
+        <p159:morph option="byObject"/>
+      </p:transition>
+    </mc:Choice>
+    <mc:Fallback xmlns="">
+      <p:transition spd="slow">
+        <p:fade/>
+      </p:transition>
+    </mc:Fallback>
+  </mc:AlternateContent>
+</p:sld>
+</file>
+
+<file path=ppt/slides/slide21.xml><?xml version="1.0" encoding="utf-8"?>
+<p:sld xmlns:a="http://schemas.openxmlformats.org/drawingml/2006/main" xmlns:r="http://schemas.openxmlformats.org/officeDocument/2006/relationships" xmlns:p="http://schemas.openxmlformats.org/presentationml/2006/main">
+  <p:cSld>
+    <p:spTree>
+      <p:nvGrpSpPr>
+        <p:cNvPr id="1" name=""/>
+        <p:cNvGrpSpPr/>
+        <p:nvPr/>
+      </p:nvGrpSpPr>
+      <p:grpSpPr>
+        <a:xfrm>
+          <a:off x="0" y="0"/>
+          <a:ext cx="0" cy="0"/>
+          <a:chOff x="0" y="0"/>
+          <a:chExt cx="0" cy="0"/>
+        </a:xfrm>
+      </p:grpSpPr>
+      <p:sp>
+        <p:nvSpPr>
+          <p:cNvPr id="2" name="Tytuł 1">
+            <a:extLst>
+              <a:ext uri="{FF2B5EF4-FFF2-40B4-BE49-F238E27FC236}">
+                <a16:creationId xmlns:a16="http://schemas.microsoft.com/office/drawing/2014/main" id="{F1092C1E-8186-4721-B2D4-4814DDD38EBB}"/>
+              </a:ext>
+            </a:extLst>
+          </p:cNvPr>
+          <p:cNvSpPr>
+            <a:spLocks noGrp="1"/>
+          </p:cNvSpPr>
+          <p:nvPr>
+            <p:ph type="title"/>
+          </p:nvPr>
+        </p:nvSpPr>
+        <p:spPr/>
+        <p:txBody>
+          <a:bodyPr/>
+          <a:lstStyle/>
+          <a:p>
+            <a:pPr algn="ctr"/>
+            <a:r>
+              <a:rPr lang="pl-PL" b="1" dirty="0"/>
+              <a:t>Usuwanie rezerwacji</a:t>
+            </a:r>
+          </a:p>
+        </p:txBody>
+      </p:sp>
+      <p:sp>
+        <p:nvSpPr>
+          <p:cNvPr id="3" name="Symbol zastępczy zawartości 2">
+            <a:extLst>
+              <a:ext uri="{FF2B5EF4-FFF2-40B4-BE49-F238E27FC236}">
+                <a16:creationId xmlns:a16="http://schemas.microsoft.com/office/drawing/2014/main" id="{BED17CEA-A2D2-48DD-BC56-912FC4DCEDB1}"/>
+              </a:ext>
+            </a:extLst>
+          </p:cNvPr>
+          <p:cNvSpPr>
+            <a:spLocks noGrp="1"/>
+          </p:cNvSpPr>
+          <p:nvPr>
+            <p:ph idx="1"/>
+          </p:nvPr>
+        </p:nvSpPr>
+        <p:spPr/>
+        <p:txBody>
+          <a:bodyPr/>
+          <a:lstStyle/>
+          <a:p>
+            <a:pPr marL="0" indent="0">
+              <a:buNone/>
+            </a:pPr>
+            <a:endParaRPr lang="pl-PL" dirty="0"/>
+          </a:p>
+        </p:txBody>
+      </p:sp>
+      <p:pic>
+        <p:nvPicPr>
+          <p:cNvPr id="13314" name="Picture 2" descr="bookings">
+            <a:extLst>
+              <a:ext uri="{FF2B5EF4-FFF2-40B4-BE49-F238E27FC236}">
+                <a16:creationId xmlns:a16="http://schemas.microsoft.com/office/drawing/2014/main" id="{CF84F798-21BF-4679-B3E4-EC4634405289}"/>
+              </a:ext>
+            </a:extLst>
+          </p:cNvPr>
+          <p:cNvPicPr>
+            <a:picLocks noChangeAspect="1" noChangeArrowheads="1"/>
+          </p:cNvPicPr>
+          <p:nvPr/>
+        </p:nvPicPr>
+        <p:blipFill>
+          <a:blip r:embed="rId2">
+            <a:extLst>
+              <a:ext uri="{28A0092B-C50C-407E-A947-70E740481C1C}">
+                <a14:useLocalDpi xmlns:a14="http://schemas.microsoft.com/office/drawing/2010/main" val="0"/>
+              </a:ext>
+            </a:extLst>
+          </a:blip>
+          <a:srcRect/>
+          <a:stretch>
+            <a:fillRect/>
+          </a:stretch>
+        </p:blipFill>
+        <p:spPr bwMode="auto">
+          <a:xfrm>
+            <a:off x="2501617" y="1418926"/>
+            <a:ext cx="7188765" cy="5246129"/>
+          </a:xfrm>
+          <a:prstGeom prst="rect">
+            <a:avLst/>
+          </a:prstGeom>
+          <a:noFill/>
+          <a:ln>
+            <a:noFill/>
+          </a:ln>
+          <a:extLst>
+            <a:ext uri="{909E8E84-426E-40DD-AFC4-6F175D3DCCD1}">
+              <a14:hiddenFill xmlns:a14="http://schemas.microsoft.com/office/drawing/2010/main">
+                <a:solidFill>
+                  <a:srgbClr val="FFFFFF"/>
+                </a:solidFill>
+              </a14:hiddenFill>
+            </a:ext>
+            <a:ext uri="{91240B29-F687-4F45-9708-019B960494DF}">
+              <a14:hiddenLine xmlns:a14="http://schemas.microsoft.com/office/drawing/2010/main" w="9525">
+                <a:solidFill>
+                  <a:srgbClr val="000000"/>
+                </a:solidFill>
+                <a:miter lim="800000"/>
+                <a:headEnd/>
+                <a:tailEnd/>
+              </a14:hiddenLine>
+            </a:ext>
+          </a:extLst>
+        </p:spPr>
+      </p:pic>
+    </p:spTree>
+    <p:extLst>
+      <p:ext uri="{BB962C8B-B14F-4D97-AF65-F5344CB8AC3E}">
+        <p14:creationId xmlns:p14="http://schemas.microsoft.com/office/powerpoint/2010/main" val="1424466301"/>
+      </p:ext>
+    </p:extLst>
+  </p:cSld>
+  <p:clrMapOvr>
+    <a:masterClrMapping/>
+  </p:clrMapOvr>
+  <mc:AlternateContent xmlns:mc="http://schemas.openxmlformats.org/markup-compatibility/2006" xmlns:p159="http://schemas.microsoft.com/office/powerpoint/2015/09/main">
+    <mc:Choice Requires="p159">
+      <p:transition xmlns:p14="http://schemas.microsoft.com/office/powerpoint/2010/main" spd="slow" p14:dur="2000">
+        <p159:morph option="byObject"/>
+      </p:transition>
+    </mc:Choice>
+    <mc:Fallback xmlns="">
+      <p:transition spd="slow">
+        <p:fade/>
+      </p:transition>
+    </mc:Fallback>
+  </mc:AlternateContent>
+</p:sld>
+</file>
+
+<file path=ppt/slides/slide22.xml><?xml version="1.0" encoding="utf-8"?>
+<p:sld xmlns:a="http://schemas.openxmlformats.org/drawingml/2006/main" xmlns:r="http://schemas.openxmlformats.org/officeDocument/2006/relationships" xmlns:p="http://schemas.openxmlformats.org/presentationml/2006/main">
+  <p:cSld>
+    <p:spTree>
+      <p:nvGrpSpPr>
+        <p:cNvPr id="1" name=""/>
+        <p:cNvGrpSpPr/>
+        <p:nvPr/>
+      </p:nvGrpSpPr>
+      <p:grpSpPr>
+        <a:xfrm>
+          <a:off x="0" y="0"/>
+          <a:ext cx="0" cy="0"/>
+          <a:chOff x="0" y="0"/>
+          <a:chExt cx="0" cy="0"/>
+        </a:xfrm>
+      </p:grpSpPr>
+      <p:sp>
+        <p:nvSpPr>
+          <p:cNvPr id="2" name="Tytuł 1">
+            <a:extLst>
+              <a:ext uri="{FF2B5EF4-FFF2-40B4-BE49-F238E27FC236}">
+                <a16:creationId xmlns:a16="http://schemas.microsoft.com/office/drawing/2014/main" id="{F1092C1E-8186-4721-B2D4-4814DDD38EBB}"/>
+              </a:ext>
+            </a:extLst>
+          </p:cNvPr>
+          <p:cNvSpPr>
+            <a:spLocks noGrp="1"/>
+          </p:cNvSpPr>
+          <p:nvPr>
+            <p:ph type="title"/>
+          </p:nvPr>
+        </p:nvSpPr>
+        <p:spPr>
+          <a:xfrm>
             <a:off x="838200" y="2766218"/>
             <a:ext cx="10515600" cy="1325563"/>
           </a:xfrm>
@@ -5304,13 +5545,13 @@
   <p:clrMapOvr>
     <a:masterClrMapping/>
   </p:clrMapOvr>
-  <mc:AlternateContent xmlns:mc="http://schemas.openxmlformats.org/markup-compatibility/2006">
-    <mc:Choice xmlns:p159="http://schemas.microsoft.com/office/powerpoint/2015/09/main" Requires="p159">
+  <mc:AlternateContent xmlns:mc="http://schemas.openxmlformats.org/markup-compatibility/2006" xmlns:p159="http://schemas.microsoft.com/office/powerpoint/2015/09/main">
+    <mc:Choice Requires="p159">
       <p:transition xmlns:p14="http://schemas.microsoft.com/office/powerpoint/2010/main" spd="slow" p14:dur="2000">
         <p159:morph option="byObject"/>
       </p:transition>
     </mc:Choice>
-    <mc:Fallback>
+    <mc:Fallback xmlns="">
       <p:transition spd="slow">
         <p:fade/>
       </p:transition>
@@ -5319,7 +5560,7 @@
 </p:sld>
 </file>
 
-<file path=ppt/slides/slide21.xml><?xml version="1.0" encoding="utf-8"?>
+<file path=ppt/slides/slide23.xml><?xml version="1.0" encoding="utf-8"?>
 <p:sld xmlns:a="http://schemas.openxmlformats.org/drawingml/2006/main" xmlns:r="http://schemas.openxmlformats.org/officeDocument/2006/relationships" xmlns:p="http://schemas.openxmlformats.org/presentationml/2006/main">
   <p:cSld>
     <p:spTree>
@@ -5468,13 +5709,13 @@
   <p:clrMapOvr>
     <a:masterClrMapping/>
   </p:clrMapOvr>
-  <mc:AlternateContent xmlns:mc="http://schemas.openxmlformats.org/markup-compatibility/2006">
-    <mc:Choice xmlns:p159="http://schemas.microsoft.com/office/powerpoint/2015/09/main" Requires="p159">
+  <mc:AlternateContent xmlns:mc="http://schemas.openxmlformats.org/markup-compatibility/2006" xmlns:p159="http://schemas.microsoft.com/office/powerpoint/2015/09/main">
+    <mc:Choice Requires="p159">
       <p:transition xmlns:p14="http://schemas.microsoft.com/office/powerpoint/2010/main" spd="slow" p14:dur="2000">
         <p159:morph option="byObject"/>
       </p:transition>
     </mc:Choice>
-    <mc:Fallback>
+    <mc:Fallback xmlns="">
       <p:transition spd="slow">
         <p:fade/>
       </p:transition>
@@ -5483,7 +5724,7 @@
 </p:sld>
 </file>
 
-<file path=ppt/slides/slide22.xml><?xml version="1.0" encoding="utf-8"?>
+<file path=ppt/slides/slide24.xml><?xml version="1.0" encoding="utf-8"?>
 <p:sld xmlns:a="http://schemas.openxmlformats.org/drawingml/2006/main" xmlns:r="http://schemas.openxmlformats.org/officeDocument/2006/relationships" xmlns:p="http://schemas.openxmlformats.org/presentationml/2006/main">
   <p:cSld>
     <p:spTree>
@@ -5632,13 +5873,13 @@
   <p:clrMapOvr>
     <a:masterClrMapping/>
   </p:clrMapOvr>
-  <mc:AlternateContent xmlns:mc="http://schemas.openxmlformats.org/markup-compatibility/2006">
-    <mc:Choice xmlns:p159="http://schemas.microsoft.com/office/powerpoint/2015/09/main" Requires="p159">
+  <mc:AlternateContent xmlns:mc="http://schemas.openxmlformats.org/markup-compatibility/2006" xmlns:p159="http://schemas.microsoft.com/office/powerpoint/2015/09/main">
+    <mc:Choice Requires="p159">
       <p:transition xmlns:p14="http://schemas.microsoft.com/office/powerpoint/2010/main" spd="slow" p14:dur="2000">
         <p159:morph option="byObject"/>
       </p:transition>
     </mc:Choice>
-    <mc:Fallback>
+    <mc:Fallback xmlns="">
       <p:transition spd="slow">
         <p:fade/>
       </p:transition>
@@ -5647,7 +5888,7 @@
 </p:sld>
 </file>
 
-<file path=ppt/slides/slide23.xml><?xml version="1.0" encoding="utf-8"?>
+<file path=ppt/slides/slide25.xml><?xml version="1.0" encoding="utf-8"?>
 <p:sld xmlns:a="http://schemas.openxmlformats.org/drawingml/2006/main" xmlns:r="http://schemas.openxmlformats.org/officeDocument/2006/relationships" xmlns:p="http://schemas.openxmlformats.org/presentationml/2006/main">
   <p:cSld>
     <p:spTree>
@@ -5796,13 +6037,13 @@
   <p:clrMapOvr>
     <a:masterClrMapping/>
   </p:clrMapOvr>
-  <mc:AlternateContent xmlns:mc="http://schemas.openxmlformats.org/markup-compatibility/2006">
-    <mc:Choice xmlns:p159="http://schemas.microsoft.com/office/powerpoint/2015/09/main" Requires="p159">
+  <mc:AlternateContent xmlns:mc="http://schemas.openxmlformats.org/markup-compatibility/2006" xmlns:p159="http://schemas.microsoft.com/office/powerpoint/2015/09/main">
+    <mc:Choice Requires="p159">
       <p:transition xmlns:p14="http://schemas.microsoft.com/office/powerpoint/2010/main" spd="slow" p14:dur="2000">
         <p159:morph option="byObject"/>
       </p:transition>
     </mc:Choice>
-    <mc:Fallback>
+    <mc:Fallback xmlns="">
       <p:transition spd="slow">
         <p:fade/>
       </p:transition>
@@ -5811,7 +6052,7 @@
 </p:sld>
 </file>
 
-<file path=ppt/slides/slide24.xml><?xml version="1.0" encoding="utf-8"?>
+<file path=ppt/slides/slide26.xml><?xml version="1.0" encoding="utf-8"?>
 <p:sld xmlns:a="http://schemas.openxmlformats.org/drawingml/2006/main" xmlns:r="http://schemas.openxmlformats.org/officeDocument/2006/relationships" xmlns:p="http://schemas.openxmlformats.org/presentationml/2006/main">
   <p:cSld>
     <p:spTree>
@@ -5846,170 +6087,6 @@
         </p:nvSpPr>
         <p:spPr>
           <a:xfrm>
-            <a:off x="838199" y="68012"/>
-            <a:ext cx="10515600" cy="1325563"/>
-          </a:xfrm>
-        </p:spPr>
-        <p:txBody>
-          <a:bodyPr/>
-          <a:lstStyle/>
-          <a:p>
-            <a:pPr algn="ctr"/>
-            <a:r>
-              <a:rPr lang="pl-PL" b="1" dirty="0"/>
-              <a:t>Zarządzanie bazą filmów</a:t>
-            </a:r>
-          </a:p>
-        </p:txBody>
-      </p:sp>
-      <p:sp>
-        <p:nvSpPr>
-          <p:cNvPr id="3" name="Symbol zastępczy zawartości 2">
-            <a:extLst>
-              <a:ext uri="{FF2B5EF4-FFF2-40B4-BE49-F238E27FC236}">
-                <a16:creationId xmlns:a16="http://schemas.microsoft.com/office/drawing/2014/main" id="{BED17CEA-A2D2-48DD-BC56-912FC4DCEDB1}"/>
-              </a:ext>
-            </a:extLst>
-          </p:cNvPr>
-          <p:cNvSpPr>
-            <a:spLocks noGrp="1"/>
-          </p:cNvSpPr>
-          <p:nvPr>
-            <p:ph idx="1"/>
-          </p:nvPr>
-        </p:nvSpPr>
-        <p:spPr/>
-        <p:txBody>
-          <a:bodyPr/>
-          <a:lstStyle/>
-          <a:p>
-            <a:pPr marL="0" indent="0">
-              <a:buNone/>
-            </a:pPr>
-            <a:endParaRPr lang="pl-PL" dirty="0"/>
-          </a:p>
-        </p:txBody>
-      </p:sp>
-      <p:pic>
-        <p:nvPicPr>
-          <p:cNvPr id="14338" name="Picture 2" descr="moviesAdmin">
-            <a:extLst>
-              <a:ext uri="{FF2B5EF4-FFF2-40B4-BE49-F238E27FC236}">
-                <a16:creationId xmlns:a16="http://schemas.microsoft.com/office/drawing/2014/main" id="{3DAFE99C-D468-45C7-AFF3-05ACE321EE8C}"/>
-              </a:ext>
-            </a:extLst>
-          </p:cNvPr>
-          <p:cNvPicPr>
-            <a:picLocks noChangeAspect="1" noChangeArrowheads="1"/>
-          </p:cNvPicPr>
-          <p:nvPr/>
-        </p:nvPicPr>
-        <p:blipFill>
-          <a:blip r:embed="rId2">
-            <a:extLst>
-              <a:ext uri="{28A0092B-C50C-407E-A947-70E740481C1C}">
-                <a14:useLocalDpi xmlns:a14="http://schemas.microsoft.com/office/drawing/2010/main" val="0"/>
-              </a:ext>
-            </a:extLst>
-          </a:blip>
-          <a:srcRect/>
-          <a:stretch>
-            <a:fillRect/>
-          </a:stretch>
-        </p:blipFill>
-        <p:spPr bwMode="auto">
-          <a:xfrm>
-            <a:off x="1999622" y="1213482"/>
-            <a:ext cx="8192753" cy="5575624"/>
-          </a:xfrm>
-          <a:prstGeom prst="rect">
-            <a:avLst/>
-          </a:prstGeom>
-          <a:noFill/>
-          <a:ln>
-            <a:noFill/>
-          </a:ln>
-          <a:extLst>
-            <a:ext uri="{909E8E84-426E-40DD-AFC4-6F175D3DCCD1}">
-              <a14:hiddenFill xmlns:a14="http://schemas.microsoft.com/office/drawing/2010/main">
-                <a:solidFill>
-                  <a:srgbClr val="FFFFFF"/>
-                </a:solidFill>
-              </a14:hiddenFill>
-            </a:ext>
-            <a:ext uri="{91240B29-F687-4F45-9708-019B960494DF}">
-              <a14:hiddenLine xmlns:a14="http://schemas.microsoft.com/office/drawing/2010/main" w="9525">
-                <a:solidFill>
-                  <a:srgbClr val="000000"/>
-                </a:solidFill>
-                <a:miter lim="800000"/>
-                <a:headEnd/>
-                <a:tailEnd/>
-              </a14:hiddenLine>
-            </a:ext>
-          </a:extLst>
-        </p:spPr>
-      </p:pic>
-    </p:spTree>
-    <p:extLst>
-      <p:ext uri="{BB962C8B-B14F-4D97-AF65-F5344CB8AC3E}">
-        <p14:creationId xmlns:p14="http://schemas.microsoft.com/office/powerpoint/2010/main" val="795824110"/>
-      </p:ext>
-    </p:extLst>
-  </p:cSld>
-  <p:clrMapOvr>
-    <a:masterClrMapping/>
-  </p:clrMapOvr>
-  <mc:AlternateContent xmlns:mc="http://schemas.openxmlformats.org/markup-compatibility/2006">
-    <mc:Choice xmlns:p159="http://schemas.microsoft.com/office/powerpoint/2015/09/main" Requires="p159">
-      <p:transition xmlns:p14="http://schemas.microsoft.com/office/powerpoint/2010/main" spd="slow" p14:dur="2000">
-        <p159:morph option="byObject"/>
-      </p:transition>
-    </mc:Choice>
-    <mc:Fallback>
-      <p:transition spd="slow">
-        <p:fade/>
-      </p:transition>
-    </mc:Fallback>
-  </mc:AlternateContent>
-</p:sld>
-</file>
-
-<file path=ppt/slides/slide25.xml><?xml version="1.0" encoding="utf-8"?>
-<p:sld xmlns:a="http://schemas.openxmlformats.org/drawingml/2006/main" xmlns:r="http://schemas.openxmlformats.org/officeDocument/2006/relationships" xmlns:p="http://schemas.openxmlformats.org/presentationml/2006/main">
-  <p:cSld>
-    <p:spTree>
-      <p:nvGrpSpPr>
-        <p:cNvPr id="1" name=""/>
-        <p:cNvGrpSpPr/>
-        <p:nvPr/>
-      </p:nvGrpSpPr>
-      <p:grpSpPr>
-        <a:xfrm>
-          <a:off x="0" y="0"/>
-          <a:ext cx="0" cy="0"/>
-          <a:chOff x="0" y="0"/>
-          <a:chExt cx="0" cy="0"/>
-        </a:xfrm>
-      </p:grpSpPr>
-      <p:sp>
-        <p:nvSpPr>
-          <p:cNvPr id="2" name="Tytuł 1">
-            <a:extLst>
-              <a:ext uri="{FF2B5EF4-FFF2-40B4-BE49-F238E27FC236}">
-                <a16:creationId xmlns:a16="http://schemas.microsoft.com/office/drawing/2014/main" id="{F1092C1E-8186-4721-B2D4-4814DDD38EBB}"/>
-              </a:ext>
-            </a:extLst>
-          </p:cNvPr>
-          <p:cNvSpPr>
-            <a:spLocks noGrp="1"/>
-          </p:cNvSpPr>
-          <p:nvPr>
-            <p:ph type="title"/>
-          </p:nvPr>
-        </p:nvSpPr>
-        <p:spPr>
-          <a:xfrm>
             <a:off x="838200" y="2766218"/>
             <a:ext cx="10515600" cy="1325563"/>
           </a:xfrm>
@@ -6021,8 +6098,22 @@
             <a:pPr algn="ctr"/>
             <a:r>
               <a:rPr lang="pl-PL" b="1" dirty="0"/>
-              <a:t>Koniec</a:t>
-            </a:r>
+              <a:t>Koniec </a:t>
+            </a:r>
+            <a:br>
+              <a:rPr lang="pl-PL" b="1" dirty="0"/>
+            </a:br>
+            <a:r>
+              <a:rPr lang="pl-PL" b="1" dirty="0"/>
+              <a:t>Dziękujemy za uwagę </a:t>
+            </a:r>
+            <a:r>
+              <a:rPr lang="pl-PL" b="1" dirty="0">
+                <a:sym typeface="Wingdings" panose="05000000000000000000" pitchFamily="2" charset="2"/>
+              </a:rPr>
+              <a:t></a:t>
+            </a:r>
+            <a:endParaRPr lang="pl-PL" b="1" dirty="0"/>
           </a:p>
         </p:txBody>
       </p:sp>
@@ -6036,13 +6127,13 @@
   <p:clrMapOvr>
     <a:masterClrMapping/>
   </p:clrMapOvr>
-  <mc:AlternateContent xmlns:mc="http://schemas.openxmlformats.org/markup-compatibility/2006">
-    <mc:Choice xmlns:p159="http://schemas.microsoft.com/office/powerpoint/2015/09/main" Requires="p159">
+  <mc:AlternateContent xmlns:mc="http://schemas.openxmlformats.org/markup-compatibility/2006" xmlns:p159="http://schemas.microsoft.com/office/powerpoint/2015/09/main">
+    <mc:Choice Requires="p159">
       <p:transition xmlns:p14="http://schemas.microsoft.com/office/powerpoint/2010/main" spd="slow" p14:dur="2000">
         <p159:morph option="byObject"/>
       </p:transition>
     </mc:Choice>
-    <mc:Fallback>
+    <mc:Fallback xmlns="">
       <p:transition spd="slow">
         <p:fade/>
       </p:transition>
@@ -6187,13 +6278,13 @@
   <p:clrMapOvr>
     <a:masterClrMapping/>
   </p:clrMapOvr>
-  <mc:AlternateContent xmlns:mc="http://schemas.openxmlformats.org/markup-compatibility/2006">
-    <mc:Choice xmlns:p159="http://schemas.microsoft.com/office/powerpoint/2015/09/main" Requires="p159">
+  <mc:AlternateContent xmlns:mc="http://schemas.openxmlformats.org/markup-compatibility/2006" xmlns:p159="http://schemas.microsoft.com/office/powerpoint/2015/09/main">
+    <mc:Choice Requires="p159">
       <p:transition xmlns:p14="http://schemas.microsoft.com/office/powerpoint/2010/main" spd="slow" p14:dur="2000">
         <p159:morph option="byObject"/>
       </p:transition>
     </mc:Choice>
-    <mc:Fallback>
+    <mc:Fallback xmlns="">
       <p:transition spd="slow">
         <p:fade/>
       </p:transition>
@@ -6224,7 +6315,7 @@
           <p:cNvPr id="4" name="Tytuł 3">
             <a:extLst>
               <a:ext uri="{FF2B5EF4-FFF2-40B4-BE49-F238E27FC236}">
-                <a16:creationId xmlns:a16="http://schemas.microsoft.com/office/drawing/2014/main" id="{D22CD635-F742-43CD-A5EA-BE8D8B7132F6}"/>
+                <a16:creationId xmlns:a16="http://schemas.microsoft.com/office/drawing/2014/main" id="{40BA421F-1669-43A5-92A3-4621348D751F}"/>
               </a:ext>
             </a:extLst>
           </p:cNvPr>
@@ -6243,206 +6334,7 @@
             <a:pPr algn="ctr"/>
             <a:r>
               <a:rPr lang="pl-PL" b="1" dirty="0"/>
-              <a:t>Projekt systemu </a:t>
-            </a:r>
-          </a:p>
-        </p:txBody>
-      </p:sp>
-      <p:sp>
-        <p:nvSpPr>
-          <p:cNvPr id="5" name="Symbol zastępczy zawartości 4">
-            <a:extLst>
-              <a:ext uri="{FF2B5EF4-FFF2-40B4-BE49-F238E27FC236}">
-                <a16:creationId xmlns:a16="http://schemas.microsoft.com/office/drawing/2014/main" id="{06715BB2-EC66-4ED4-AA40-5F4A2C36BD73}"/>
-              </a:ext>
-            </a:extLst>
-          </p:cNvPr>
-          <p:cNvSpPr>
-            <a:spLocks noGrp="1"/>
-          </p:cNvSpPr>
-          <p:nvPr>
-            <p:ph idx="1"/>
-          </p:nvPr>
-        </p:nvSpPr>
-        <p:spPr/>
-        <p:txBody>
-          <a:bodyPr/>
-          <a:lstStyle/>
-          <a:p>
-            <a:pPr marL="0" indent="0">
-              <a:buNone/>
-            </a:pPr>
-            <a:r>
-              <a:rPr lang="pl-PL" dirty="0"/>
-              <a:t>Została stworzona baza danych naszego kina wraz z mechanizmami przetwarzania danych takimi jak:</a:t>
-            </a:r>
-          </a:p>
-          <a:p>
-            <a:r>
-              <a:rPr lang="pl-PL" dirty="0"/>
-              <a:t>Widoki</a:t>
-            </a:r>
-          </a:p>
-          <a:p>
-            <a:r>
-              <a:rPr lang="pl-PL" dirty="0"/>
-              <a:t>Procedury składowane</a:t>
-            </a:r>
-          </a:p>
-          <a:p>
-            <a:r>
-              <a:rPr lang="pl-PL" dirty="0"/>
-              <a:t>Indeksy </a:t>
-            </a:r>
-          </a:p>
-          <a:p>
-            <a:r>
-              <a:rPr lang="pl-PL" dirty="0" err="1"/>
-              <a:t>Triggery</a:t>
-            </a:r>
-            <a:endParaRPr lang="pl-PL" dirty="0"/>
-          </a:p>
-          <a:p>
-            <a:r>
-              <a:rPr lang="pl-PL" dirty="0"/>
-              <a:t>Sekwencje</a:t>
-            </a:r>
-          </a:p>
-          <a:p>
-            <a:pPr marL="0" indent="0">
-              <a:buNone/>
-            </a:pPr>
-            <a:endParaRPr lang="pl-PL" dirty="0"/>
-          </a:p>
-        </p:txBody>
-      </p:sp>
-      <p:pic>
-        <p:nvPicPr>
-          <p:cNvPr id="1026" name="Picture 2" descr="Sekwencje">
-            <a:extLst>
-              <a:ext uri="{FF2B5EF4-FFF2-40B4-BE49-F238E27FC236}">
-                <a16:creationId xmlns:a16="http://schemas.microsoft.com/office/drawing/2014/main" id="{0C1B372C-91E4-45F2-A6AB-EE0DFEAE5E21}"/>
-              </a:ext>
-            </a:extLst>
-          </p:cNvPr>
-          <p:cNvPicPr>
-            <a:picLocks noChangeAspect="1" noChangeArrowheads="1"/>
-          </p:cNvPicPr>
-          <p:nvPr/>
-        </p:nvPicPr>
-        <p:blipFill>
-          <a:blip r:embed="rId2">
-            <a:extLst>
-              <a:ext uri="{28A0092B-C50C-407E-A947-70E740481C1C}">
-                <a14:useLocalDpi xmlns:a14="http://schemas.microsoft.com/office/drawing/2010/main" val="0"/>
-              </a:ext>
-            </a:extLst>
-          </a:blip>
-          <a:srcRect/>
-          <a:stretch>
-            <a:fillRect/>
-          </a:stretch>
-        </p:blipFill>
-        <p:spPr bwMode="auto">
-          <a:xfrm>
-            <a:off x="3142035" y="4418161"/>
-            <a:ext cx="8211766" cy="1825588"/>
-          </a:xfrm>
-          <a:prstGeom prst="rect">
-            <a:avLst/>
-          </a:prstGeom>
-          <a:noFill/>
-          <a:ln>
-            <a:noFill/>
-          </a:ln>
-          <a:extLst>
-            <a:ext uri="{909E8E84-426E-40DD-AFC4-6F175D3DCCD1}">
-              <a14:hiddenFill xmlns:a14="http://schemas.microsoft.com/office/drawing/2010/main">
-                <a:solidFill>
-                  <a:srgbClr val="FFFFFF"/>
-                </a:solidFill>
-              </a14:hiddenFill>
-            </a:ext>
-            <a:ext uri="{91240B29-F687-4F45-9708-019B960494DF}">
-              <a14:hiddenLine xmlns:a14="http://schemas.microsoft.com/office/drawing/2010/main" w="9525">
-                <a:solidFill>
-                  <a:srgbClr val="000000"/>
-                </a:solidFill>
-                <a:miter lim="800000"/>
-                <a:headEnd/>
-                <a:tailEnd/>
-              </a14:hiddenLine>
-            </a:ext>
-          </a:extLst>
-        </p:spPr>
-      </p:pic>
-    </p:spTree>
-    <p:extLst>
-      <p:ext uri="{BB962C8B-B14F-4D97-AF65-F5344CB8AC3E}">
-        <p14:creationId xmlns:p14="http://schemas.microsoft.com/office/powerpoint/2010/main" val="2939783933"/>
-      </p:ext>
-    </p:extLst>
-  </p:cSld>
-  <p:clrMapOvr>
-    <a:masterClrMapping/>
-  </p:clrMapOvr>
-  <mc:AlternateContent xmlns:mc="http://schemas.openxmlformats.org/markup-compatibility/2006">
-    <mc:Choice xmlns:p159="http://schemas.microsoft.com/office/powerpoint/2015/09/main" Requires="p159">
-      <p:transition xmlns:p14="http://schemas.microsoft.com/office/powerpoint/2010/main" spd="slow" p14:dur="2000">
-        <p159:morph option="byObject"/>
-      </p:transition>
-    </mc:Choice>
-    <mc:Fallback>
-      <p:transition spd="slow">
-        <p:fade/>
-      </p:transition>
-    </mc:Fallback>
-  </mc:AlternateContent>
-</p:sld>
-</file>
-
-<file path=ppt/slides/slide5.xml><?xml version="1.0" encoding="utf-8"?>
-<p:sld xmlns:a="http://schemas.openxmlformats.org/drawingml/2006/main" xmlns:r="http://schemas.openxmlformats.org/officeDocument/2006/relationships" xmlns:p="http://schemas.openxmlformats.org/presentationml/2006/main">
-  <p:cSld>
-    <p:spTree>
-      <p:nvGrpSpPr>
-        <p:cNvPr id="1" name=""/>
-        <p:cNvGrpSpPr/>
-        <p:nvPr/>
-      </p:nvGrpSpPr>
-      <p:grpSpPr>
-        <a:xfrm>
-          <a:off x="0" y="0"/>
-          <a:ext cx="0" cy="0"/>
-          <a:chOff x="0" y="0"/>
-          <a:chExt cx="0" cy="0"/>
-        </a:xfrm>
-      </p:grpSpPr>
-      <p:sp>
-        <p:nvSpPr>
-          <p:cNvPr id="4" name="Tytuł 3">
-            <a:extLst>
-              <a:ext uri="{FF2B5EF4-FFF2-40B4-BE49-F238E27FC236}">
-                <a16:creationId xmlns:a16="http://schemas.microsoft.com/office/drawing/2014/main" id="{40BA421F-1669-43A5-92A3-4621348D751F}"/>
-              </a:ext>
-            </a:extLst>
-          </p:cNvPr>
-          <p:cNvSpPr>
-            <a:spLocks noGrp="1"/>
-          </p:cNvSpPr>
-          <p:nvPr>
-            <p:ph type="title"/>
-          </p:nvPr>
-        </p:nvSpPr>
-        <p:spPr/>
-        <p:txBody>
-          <a:bodyPr/>
-          <a:lstStyle/>
-          <a:p>
-            <a:pPr algn="ctr"/>
-            <a:r>
-              <a:rPr lang="pl-PL" b="1" dirty="0"/>
-              <a:t>Diagram klas</a:t>
+              <a:t>Projekt systemu - diagram klas</a:t>
             </a:r>
           </a:p>
         </p:txBody>
@@ -6550,13 +6442,248 @@
   <p:clrMapOvr>
     <a:masterClrMapping/>
   </p:clrMapOvr>
-  <mc:AlternateContent xmlns:mc="http://schemas.openxmlformats.org/markup-compatibility/2006">
-    <mc:Choice xmlns:p159="http://schemas.microsoft.com/office/powerpoint/2015/09/main" Requires="p159">
+  <mc:AlternateContent xmlns:mc="http://schemas.openxmlformats.org/markup-compatibility/2006" xmlns:p159="http://schemas.microsoft.com/office/powerpoint/2015/09/main">
+    <mc:Choice Requires="p159">
       <p:transition xmlns:p14="http://schemas.microsoft.com/office/powerpoint/2010/main" spd="slow" p14:dur="2000">
         <p159:morph option="byObject"/>
       </p:transition>
     </mc:Choice>
-    <mc:Fallback>
+    <mc:Fallback xmlns="">
+      <p:transition spd="slow">
+        <p:fade/>
+      </p:transition>
+    </mc:Fallback>
+  </mc:AlternateContent>
+</p:sld>
+</file>
+
+<file path=ppt/slides/slide5.xml><?xml version="1.0" encoding="utf-8"?>
+<p:sld xmlns:a="http://schemas.openxmlformats.org/drawingml/2006/main" xmlns:r="http://schemas.openxmlformats.org/officeDocument/2006/relationships" xmlns:p="http://schemas.openxmlformats.org/presentationml/2006/main">
+  <p:cSld>
+    <p:spTree>
+      <p:nvGrpSpPr>
+        <p:cNvPr id="1" name=""/>
+        <p:cNvGrpSpPr/>
+        <p:nvPr/>
+      </p:nvGrpSpPr>
+      <p:grpSpPr>
+        <a:xfrm>
+          <a:off x="0" y="0"/>
+          <a:ext cx="0" cy="0"/>
+          <a:chOff x="0" y="0"/>
+          <a:chExt cx="0" cy="0"/>
+        </a:xfrm>
+      </p:grpSpPr>
+      <p:sp>
+        <p:nvSpPr>
+          <p:cNvPr id="4" name="Tytuł 3">
+            <a:extLst>
+              <a:ext uri="{FF2B5EF4-FFF2-40B4-BE49-F238E27FC236}">
+                <a16:creationId xmlns:a16="http://schemas.microsoft.com/office/drawing/2014/main" id="{D22CD635-F742-43CD-A5EA-BE8D8B7132F6}"/>
+              </a:ext>
+            </a:extLst>
+          </p:cNvPr>
+          <p:cNvSpPr>
+            <a:spLocks noGrp="1"/>
+          </p:cNvSpPr>
+          <p:nvPr>
+            <p:ph type="title"/>
+          </p:nvPr>
+        </p:nvSpPr>
+        <p:spPr/>
+        <p:txBody>
+          <a:bodyPr/>
+          <a:lstStyle/>
+          <a:p>
+            <a:pPr algn="ctr"/>
+            <a:r>
+              <a:rPr lang="pl-PL" b="1" dirty="0"/>
+              <a:t>Projekt systemu - mechanizmy</a:t>
+            </a:r>
+          </a:p>
+        </p:txBody>
+      </p:sp>
+      <p:sp>
+        <p:nvSpPr>
+          <p:cNvPr id="5" name="Symbol zastępczy zawartości 4">
+            <a:extLst>
+              <a:ext uri="{FF2B5EF4-FFF2-40B4-BE49-F238E27FC236}">
+                <a16:creationId xmlns:a16="http://schemas.microsoft.com/office/drawing/2014/main" id="{06715BB2-EC66-4ED4-AA40-5F4A2C36BD73}"/>
+              </a:ext>
+            </a:extLst>
+          </p:cNvPr>
+          <p:cNvSpPr>
+            <a:spLocks noGrp="1"/>
+          </p:cNvSpPr>
+          <p:nvPr>
+            <p:ph idx="1"/>
+          </p:nvPr>
+        </p:nvSpPr>
+        <p:spPr/>
+        <p:txBody>
+          <a:bodyPr/>
+          <a:lstStyle/>
+          <a:p>
+            <a:pPr marL="0" indent="0">
+              <a:buNone/>
+            </a:pPr>
+            <a:r>
+              <a:rPr lang="pl-PL" dirty="0"/>
+              <a:t>Została stworzona baza danych naszego kina wraz z mechanizmami przetwarzania danych takimi jak:</a:t>
+            </a:r>
+          </a:p>
+          <a:p>
+            <a:r>
+              <a:rPr lang="pl-PL" dirty="0"/>
+              <a:t>Widoki</a:t>
+            </a:r>
+          </a:p>
+          <a:p>
+            <a:r>
+              <a:rPr lang="pl-PL" dirty="0"/>
+              <a:t>Procedury składowane</a:t>
+            </a:r>
+          </a:p>
+          <a:p>
+            <a:r>
+              <a:rPr lang="pl-PL" dirty="0"/>
+              <a:t>Indeksy </a:t>
+            </a:r>
+          </a:p>
+          <a:p>
+            <a:r>
+              <a:rPr lang="pl-PL" dirty="0" err="1"/>
+              <a:t>Triggery</a:t>
+            </a:r>
+            <a:endParaRPr lang="pl-PL" dirty="0"/>
+          </a:p>
+          <a:p>
+            <a:r>
+              <a:rPr lang="pl-PL" dirty="0"/>
+              <a:t>Sekwencje</a:t>
+            </a:r>
+          </a:p>
+          <a:p>
+            <a:pPr marL="0" indent="0">
+              <a:buNone/>
+            </a:pPr>
+            <a:endParaRPr lang="pl-PL" dirty="0"/>
+          </a:p>
+        </p:txBody>
+      </p:sp>
+      <p:pic>
+        <p:nvPicPr>
+          <p:cNvPr id="1026" name="Picture 2" descr="Sekwencje">
+            <a:extLst>
+              <a:ext uri="{FF2B5EF4-FFF2-40B4-BE49-F238E27FC236}">
+                <a16:creationId xmlns:a16="http://schemas.microsoft.com/office/drawing/2014/main" id="{0C1B372C-91E4-45F2-A6AB-EE0DFEAE5E21}"/>
+              </a:ext>
+            </a:extLst>
+          </p:cNvPr>
+          <p:cNvPicPr>
+            <a:picLocks noChangeAspect="1" noChangeArrowheads="1"/>
+          </p:cNvPicPr>
+          <p:nvPr/>
+        </p:nvPicPr>
+        <p:blipFill>
+          <a:blip r:embed="rId2">
+            <a:extLst>
+              <a:ext uri="{28A0092B-C50C-407E-A947-70E740481C1C}">
+                <a14:useLocalDpi xmlns:a14="http://schemas.microsoft.com/office/drawing/2010/main" val="0"/>
+              </a:ext>
+            </a:extLst>
+          </a:blip>
+          <a:srcRect/>
+          <a:stretch>
+            <a:fillRect/>
+          </a:stretch>
+        </p:blipFill>
+        <p:spPr bwMode="auto">
+          <a:xfrm>
+            <a:off x="3142035" y="4418161"/>
+            <a:ext cx="8211766" cy="1825588"/>
+          </a:xfrm>
+          <a:prstGeom prst="rect">
+            <a:avLst/>
+          </a:prstGeom>
+          <a:noFill/>
+          <a:ln>
+            <a:noFill/>
+          </a:ln>
+          <a:extLst>
+            <a:ext uri="{909E8E84-426E-40DD-AFC4-6F175D3DCCD1}">
+              <a14:hiddenFill xmlns:a14="http://schemas.microsoft.com/office/drawing/2010/main">
+                <a:solidFill>
+                  <a:srgbClr val="FFFFFF"/>
+                </a:solidFill>
+              </a14:hiddenFill>
+            </a:ext>
+            <a:ext uri="{91240B29-F687-4F45-9708-019B960494DF}">
+              <a14:hiddenLine xmlns:a14="http://schemas.microsoft.com/office/drawing/2010/main" w="9525">
+                <a:solidFill>
+                  <a:srgbClr val="000000"/>
+                </a:solidFill>
+                <a:miter lim="800000"/>
+                <a:headEnd/>
+                <a:tailEnd/>
+              </a14:hiddenLine>
+            </a:ext>
+          </a:extLst>
+        </p:spPr>
+      </p:pic>
+      <p:pic>
+        <p:nvPicPr>
+          <p:cNvPr id="3" name="Obraz 2" descr="Obraz zawierający zrzut ekranu&#10;&#10;Opis wygenerowany automatycznie">
+            <a:extLst>
+              <a:ext uri="{FF2B5EF4-FFF2-40B4-BE49-F238E27FC236}">
+                <a16:creationId xmlns:a16="http://schemas.microsoft.com/office/drawing/2014/main" id="{15E3C6F5-5DED-4BEA-B28D-8CD6F881CF83}"/>
+              </a:ext>
+            </a:extLst>
+          </p:cNvPr>
+          <p:cNvPicPr>
+            <a:picLocks noChangeAspect="1"/>
+          </p:cNvPicPr>
+          <p:nvPr/>
+        </p:nvPicPr>
+        <p:blipFill>
+          <a:blip r:embed="rId3">
+            <a:extLst>
+              <a:ext uri="{28A0092B-C50C-407E-A947-70E740481C1C}">
+                <a14:useLocalDpi xmlns:a14="http://schemas.microsoft.com/office/drawing/2010/main" val="0"/>
+              </a:ext>
+            </a:extLst>
+          </a:blip>
+          <a:stretch>
+            <a:fillRect/>
+          </a:stretch>
+        </p:blipFill>
+        <p:spPr>
+          <a:xfrm>
+            <a:off x="7269480" y="2439839"/>
+            <a:ext cx="4084320" cy="1706880"/>
+          </a:xfrm>
+          <a:prstGeom prst="rect">
+            <a:avLst/>
+          </a:prstGeom>
+        </p:spPr>
+      </p:pic>
+    </p:spTree>
+    <p:extLst>
+      <p:ext uri="{BB962C8B-B14F-4D97-AF65-F5344CB8AC3E}">
+        <p14:creationId xmlns:p14="http://schemas.microsoft.com/office/powerpoint/2010/main" val="2939783933"/>
+      </p:ext>
+    </p:extLst>
+  </p:cSld>
+  <p:clrMapOvr>
+    <a:masterClrMapping/>
+  </p:clrMapOvr>
+  <mc:AlternateContent xmlns:mc="http://schemas.openxmlformats.org/markup-compatibility/2006" xmlns:p159="http://schemas.microsoft.com/office/powerpoint/2015/09/main">
+    <mc:Choice Requires="p159">
+      <p:transition xmlns:p14="http://schemas.microsoft.com/office/powerpoint/2010/main" spd="slow" p14:dur="2000">
+        <p159:morph option="byObject"/>
+      </p:transition>
+    </mc:Choice>
+    <mc:Fallback xmlns="">
       <p:transition spd="slow">
         <p:fade/>
       </p:transition>
@@ -6582,66 +6709,12 @@
           <a:chExt cx="0" cy="0"/>
         </a:xfrm>
       </p:grpSpPr>
-      <p:sp>
-        <p:nvSpPr>
-          <p:cNvPr id="2" name="Tytuł 1">
-            <a:extLst>
-              <a:ext uri="{FF2B5EF4-FFF2-40B4-BE49-F238E27FC236}">
-                <a16:creationId xmlns:a16="http://schemas.microsoft.com/office/drawing/2014/main" id="{F1092C1E-8186-4721-B2D4-4814DDD38EBB}"/>
-              </a:ext>
-            </a:extLst>
-          </p:cNvPr>
-          <p:cNvSpPr>
-            <a:spLocks noGrp="1"/>
-          </p:cNvSpPr>
-          <p:nvPr>
-            <p:ph type="title"/>
-          </p:nvPr>
-        </p:nvSpPr>
-        <p:spPr/>
-        <p:txBody>
-          <a:bodyPr/>
-          <a:lstStyle/>
-          <a:p>
-            <a:pPr algn="ctr"/>
-            <a:endParaRPr lang="pl-PL" b="1" dirty="0"/>
-          </a:p>
-        </p:txBody>
-      </p:sp>
-      <p:sp>
-        <p:nvSpPr>
-          <p:cNvPr id="3" name="Symbol zastępczy zawartości 2">
-            <a:extLst>
-              <a:ext uri="{FF2B5EF4-FFF2-40B4-BE49-F238E27FC236}">
-                <a16:creationId xmlns:a16="http://schemas.microsoft.com/office/drawing/2014/main" id="{4429B4A2-233F-4AC8-8729-FBE13239D986}"/>
-              </a:ext>
-            </a:extLst>
-          </p:cNvPr>
-          <p:cNvSpPr>
-            <a:spLocks noGrp="1"/>
-          </p:cNvSpPr>
-          <p:nvPr>
-            <p:ph idx="1"/>
-          </p:nvPr>
-        </p:nvSpPr>
-        <p:spPr/>
-        <p:txBody>
-          <a:bodyPr/>
-          <a:lstStyle/>
-          <a:p>
-            <a:pPr marL="0" indent="0">
-              <a:buNone/>
-            </a:pPr>
-            <a:endParaRPr lang="pl-PL" dirty="0"/>
-          </a:p>
-        </p:txBody>
-      </p:sp>
       <p:pic>
         <p:nvPicPr>
-          <p:cNvPr id="17411" name="Picture 3" descr="model">
-            <a:extLst>
-              <a:ext uri="{FF2B5EF4-FFF2-40B4-BE49-F238E27FC236}">
-                <a16:creationId xmlns:a16="http://schemas.microsoft.com/office/drawing/2014/main" id="{46B11DF1-8497-4ED8-A2F4-DFA7DB980E84}"/>
+          <p:cNvPr id="1026" name="Picture 2" descr="Use Case Diagram">
+            <a:extLst>
+              <a:ext uri="{FF2B5EF4-FFF2-40B4-BE49-F238E27FC236}">
+                <a16:creationId xmlns:a16="http://schemas.microsoft.com/office/drawing/2014/main" id="{CC5BBA78-C1FE-458C-8345-E5824F209625}"/>
               </a:ext>
             </a:extLst>
           </p:cNvPr>
@@ -6665,8 +6738,144 @@
         </p:blipFill>
         <p:spPr bwMode="auto">
           <a:xfrm>
-            <a:off x="2371509" y="0"/>
-            <a:ext cx="7448982" cy="6876300"/>
+            <a:off x="2825785" y="1"/>
+            <a:ext cx="7242343" cy="6859172"/>
+          </a:xfrm>
+          <a:prstGeom prst="rect">
+            <a:avLst/>
+          </a:prstGeom>
+          <a:noFill/>
+          <a:ln>
+            <a:noFill/>
+          </a:ln>
+          <a:extLst>
+            <a:ext uri="{909E8E84-426E-40DD-AFC4-6F175D3DCCD1}">
+              <a14:hiddenFill xmlns:a14="http://schemas.microsoft.com/office/drawing/2010/main">
+                <a:solidFill>
+                  <a:srgbClr val="FFFFFF"/>
+                </a:solidFill>
+              </a14:hiddenFill>
+            </a:ext>
+            <a:ext uri="{91240B29-F687-4F45-9708-019B960494DF}">
+              <a14:hiddenLine xmlns:a14="http://schemas.microsoft.com/office/drawing/2010/main" w="9525">
+                <a:solidFill>
+                  <a:srgbClr val="000000"/>
+                </a:solidFill>
+                <a:miter lim="800000"/>
+                <a:headEnd/>
+                <a:tailEnd/>
+              </a14:hiddenLine>
+            </a:ext>
+          </a:extLst>
+        </p:spPr>
+      </p:pic>
+    </p:spTree>
+    <p:extLst>
+      <p:ext uri="{BB962C8B-B14F-4D97-AF65-F5344CB8AC3E}">
+        <p14:creationId xmlns:p14="http://schemas.microsoft.com/office/powerpoint/2010/main" val="795824110"/>
+      </p:ext>
+    </p:extLst>
+  </p:cSld>
+  <p:clrMapOvr>
+    <a:masterClrMapping/>
+  </p:clrMapOvr>
+  <mc:AlternateContent xmlns:mc="http://schemas.openxmlformats.org/markup-compatibility/2006" xmlns:p159="http://schemas.microsoft.com/office/powerpoint/2015/09/main">
+    <mc:Choice Requires="p159">
+      <p:transition xmlns:p14="http://schemas.microsoft.com/office/powerpoint/2010/main" spd="slow" p14:dur="2000">
+        <p159:morph option="byObject"/>
+      </p:transition>
+    </mc:Choice>
+    <mc:Fallback xmlns="">
+      <p:transition spd="slow">
+        <p:fade/>
+      </p:transition>
+    </mc:Fallback>
+  </mc:AlternateContent>
+</p:sld>
+</file>
+
+<file path=ppt/slides/slide7.xml><?xml version="1.0" encoding="utf-8"?>
+<p:sld xmlns:a="http://schemas.openxmlformats.org/drawingml/2006/main" xmlns:r="http://schemas.openxmlformats.org/officeDocument/2006/relationships" xmlns:p="http://schemas.openxmlformats.org/presentationml/2006/main">
+  <p:cSld>
+    <p:spTree>
+      <p:nvGrpSpPr>
+        <p:cNvPr id="1" name=""/>
+        <p:cNvGrpSpPr/>
+        <p:nvPr/>
+      </p:nvGrpSpPr>
+      <p:grpSpPr>
+        <a:xfrm>
+          <a:off x="0" y="0"/>
+          <a:ext cx="0" cy="0"/>
+          <a:chOff x="0" y="0"/>
+          <a:chExt cx="0" cy="0"/>
+        </a:xfrm>
+      </p:grpSpPr>
+      <p:sp>
+        <p:nvSpPr>
+          <p:cNvPr id="2" name="Tytuł 1">
+            <a:extLst>
+              <a:ext uri="{FF2B5EF4-FFF2-40B4-BE49-F238E27FC236}">
+                <a16:creationId xmlns:a16="http://schemas.microsoft.com/office/drawing/2014/main" id="{F1092C1E-8186-4721-B2D4-4814DDD38EBB}"/>
+              </a:ext>
+            </a:extLst>
+          </p:cNvPr>
+          <p:cNvSpPr>
+            <a:spLocks noGrp="1"/>
+          </p:cNvSpPr>
+          <p:nvPr>
+            <p:ph type="title"/>
+          </p:nvPr>
+        </p:nvSpPr>
+        <p:spPr>
+          <a:xfrm>
+            <a:off x="838200" y="95495"/>
+            <a:ext cx="10515600" cy="1325563"/>
+          </a:xfrm>
+        </p:spPr>
+        <p:txBody>
+          <a:bodyPr/>
+          <a:lstStyle/>
+          <a:p>
+            <a:pPr algn="ctr"/>
+            <a:r>
+              <a:rPr lang="pl-PL" b="1" dirty="0"/>
+              <a:t>Projekt interfejsu graficznego</a:t>
+            </a:r>
+          </a:p>
+        </p:txBody>
+      </p:sp>
+      <p:pic>
+        <p:nvPicPr>
+          <p:cNvPr id="2050" name="Picture 2" descr="architektura">
+            <a:extLst>
+              <a:ext uri="{FF2B5EF4-FFF2-40B4-BE49-F238E27FC236}">
+                <a16:creationId xmlns:a16="http://schemas.microsoft.com/office/drawing/2014/main" id="{BA182BB5-6AF5-4029-9AE2-7C0DA4A2473C}"/>
+              </a:ext>
+            </a:extLst>
+          </p:cNvPr>
+          <p:cNvPicPr>
+            <a:picLocks noChangeAspect="1" noChangeArrowheads="1"/>
+          </p:cNvPicPr>
+          <p:nvPr/>
+        </p:nvPicPr>
+        <p:blipFill>
+          <a:blip r:embed="rId2">
+            <a:extLst>
+              <a:ext uri="{28A0092B-C50C-407E-A947-70E740481C1C}">
+                <a14:useLocalDpi xmlns:a14="http://schemas.microsoft.com/office/drawing/2010/main" val="0"/>
+              </a:ext>
+            </a:extLst>
+          </a:blip>
+          <a:srcRect/>
+          <a:stretch>
+            <a:fillRect/>
+          </a:stretch>
+        </p:blipFill>
+        <p:spPr bwMode="auto">
+          <a:xfrm>
+            <a:off x="3863181" y="1252427"/>
+            <a:ext cx="4465637" cy="5364163"/>
           </a:xfrm>
           <a:prstGeom prst="rect">
             <a:avLst/>
@@ -6706,13 +6915,13 @@
   <p:clrMapOvr>
     <a:masterClrMapping/>
   </p:clrMapOvr>
-  <mc:AlternateContent xmlns:mc="http://schemas.openxmlformats.org/markup-compatibility/2006">
-    <mc:Choice xmlns:p159="http://schemas.microsoft.com/office/powerpoint/2015/09/main" Requires="p159">
+  <mc:AlternateContent xmlns:mc="http://schemas.openxmlformats.org/markup-compatibility/2006" xmlns:p159="http://schemas.microsoft.com/office/powerpoint/2015/09/main">
+    <mc:Choice Requires="p159">
       <p:transition xmlns:p14="http://schemas.microsoft.com/office/powerpoint/2010/main" spd="slow" p14:dur="2000">
         <p159:morph option="byObject"/>
       </p:transition>
     </mc:Choice>
-    <mc:Fallback>
+    <mc:Fallback xmlns="">
       <p:transition spd="slow">
         <p:fade/>
       </p:transition>
@@ -6721,7 +6930,7 @@
 </p:sld>
 </file>
 
-<file path=ppt/slides/slide7.xml><?xml version="1.0" encoding="utf-8"?>
+<file path=ppt/slides/slide8.xml><?xml version="1.0" encoding="utf-8"?>
 <p:sld xmlns:a="http://schemas.openxmlformats.org/drawingml/2006/main" xmlns:r="http://schemas.openxmlformats.org/officeDocument/2006/relationships" xmlns:p="http://schemas.openxmlformats.org/presentationml/2006/main">
   <p:cSld>
     <p:spTree>
@@ -6743,6 +6952,520 @@
           <p:cNvPr id="2" name="Tytuł 1">
             <a:extLst>
               <a:ext uri="{FF2B5EF4-FFF2-40B4-BE49-F238E27FC236}">
+                <a16:creationId xmlns:a16="http://schemas.microsoft.com/office/drawing/2014/main" id="{F86A1DC4-B2FD-494C-A746-3EC3B38A98D0}"/>
+              </a:ext>
+            </a:extLst>
+          </p:cNvPr>
+          <p:cNvSpPr>
+            <a:spLocks noGrp="1"/>
+          </p:cNvSpPr>
+          <p:nvPr>
+            <p:ph type="title"/>
+          </p:nvPr>
+        </p:nvSpPr>
+        <p:spPr/>
+        <p:txBody>
+          <a:bodyPr/>
+          <a:lstStyle/>
+          <a:p>
+            <a:pPr algn="ctr"/>
+            <a:r>
+              <a:rPr lang="pl-PL" b="1" dirty="0"/>
+              <a:t>Implementacja bazy danych</a:t>
+            </a:r>
+          </a:p>
+        </p:txBody>
+      </p:sp>
+      <p:pic>
+        <p:nvPicPr>
+          <p:cNvPr id="3074" name="Picture 2" descr="aaa">
+            <a:extLst>
+              <a:ext uri="{FF2B5EF4-FFF2-40B4-BE49-F238E27FC236}">
+                <a16:creationId xmlns:a16="http://schemas.microsoft.com/office/drawing/2014/main" id="{4F44B484-307D-4A75-A232-45BE85D17F0D}"/>
+              </a:ext>
+            </a:extLst>
+          </p:cNvPr>
+          <p:cNvPicPr>
+            <a:picLocks noChangeAspect="1" noChangeArrowheads="1"/>
+          </p:cNvPicPr>
+          <p:nvPr/>
+        </p:nvPicPr>
+        <p:blipFill>
+          <a:blip r:embed="rId2">
+            <a:extLst>
+              <a:ext uri="{28A0092B-C50C-407E-A947-70E740481C1C}">
+                <a14:useLocalDpi xmlns:a14="http://schemas.microsoft.com/office/drawing/2010/main" val="0"/>
+              </a:ext>
+            </a:extLst>
+          </a:blip>
+          <a:srcRect/>
+          <a:stretch>
+            <a:fillRect/>
+          </a:stretch>
+        </p:blipFill>
+        <p:spPr bwMode="auto">
+          <a:xfrm>
+            <a:off x="838200" y="2307489"/>
+            <a:ext cx="2301875" cy="1828800"/>
+          </a:xfrm>
+          <a:prstGeom prst="rect">
+            <a:avLst/>
+          </a:prstGeom>
+          <a:noFill/>
+          <a:ln>
+            <a:noFill/>
+          </a:ln>
+          <a:extLst>
+            <a:ext uri="{909E8E84-426E-40DD-AFC4-6F175D3DCCD1}">
+              <a14:hiddenFill xmlns:a14="http://schemas.microsoft.com/office/drawing/2010/main">
+                <a:solidFill>
+                  <a:srgbClr val="FFFFFF"/>
+                </a:solidFill>
+              </a14:hiddenFill>
+            </a:ext>
+            <a:ext uri="{91240B29-F687-4F45-9708-019B960494DF}">
+              <a14:hiddenLine xmlns:a14="http://schemas.microsoft.com/office/drawing/2010/main" w="9525">
+                <a:solidFill>
+                  <a:srgbClr val="000000"/>
+                </a:solidFill>
+                <a:miter lim="800000"/>
+                <a:headEnd/>
+                <a:tailEnd/>
+              </a14:hiddenLine>
+            </a:ext>
+          </a:extLst>
+        </p:spPr>
+      </p:pic>
+      <p:pic>
+        <p:nvPicPr>
+          <p:cNvPr id="3075" name="Picture 3" descr="createMovie">
+            <a:extLst>
+              <a:ext uri="{FF2B5EF4-FFF2-40B4-BE49-F238E27FC236}">
+                <a16:creationId xmlns:a16="http://schemas.microsoft.com/office/drawing/2014/main" id="{64F06113-BF13-4B5B-804D-E2A66809803F}"/>
+              </a:ext>
+            </a:extLst>
+          </p:cNvPr>
+          <p:cNvPicPr>
+            <a:picLocks noChangeAspect="1" noChangeArrowheads="1"/>
+          </p:cNvPicPr>
+          <p:nvPr/>
+        </p:nvPicPr>
+        <p:blipFill>
+          <a:blip r:embed="rId3">
+            <a:extLst>
+              <a:ext uri="{28A0092B-C50C-407E-A947-70E740481C1C}">
+                <a14:useLocalDpi xmlns:a14="http://schemas.microsoft.com/office/drawing/2010/main" val="0"/>
+              </a:ext>
+            </a:extLst>
+          </a:blip>
+          <a:srcRect/>
+          <a:stretch>
+            <a:fillRect/>
+          </a:stretch>
+        </p:blipFill>
+        <p:spPr bwMode="auto">
+          <a:xfrm>
+            <a:off x="4104608" y="2375751"/>
+            <a:ext cx="2308225" cy="1692275"/>
+          </a:xfrm>
+          <a:prstGeom prst="rect">
+            <a:avLst/>
+          </a:prstGeom>
+          <a:noFill/>
+          <a:ln>
+            <a:noFill/>
+          </a:ln>
+          <a:extLst>
+            <a:ext uri="{909E8E84-426E-40DD-AFC4-6F175D3DCCD1}">
+              <a14:hiddenFill xmlns:a14="http://schemas.microsoft.com/office/drawing/2010/main">
+                <a:solidFill>
+                  <a:srgbClr val="FFFFFF"/>
+                </a:solidFill>
+              </a14:hiddenFill>
+            </a:ext>
+            <a:ext uri="{91240B29-F687-4F45-9708-019B960494DF}">
+              <a14:hiddenLine xmlns:a14="http://schemas.microsoft.com/office/drawing/2010/main" w="9525">
+                <a:solidFill>
+                  <a:srgbClr val="000000"/>
+                </a:solidFill>
+                <a:miter lim="800000"/>
+                <a:headEnd/>
+                <a:tailEnd/>
+              </a14:hiddenLine>
+            </a:ext>
+          </a:extLst>
+        </p:spPr>
+      </p:pic>
+      <p:pic>
+        <p:nvPicPr>
+          <p:cNvPr id="3076" name="Picture 4" descr="movieFK">
+            <a:extLst>
+              <a:ext uri="{FF2B5EF4-FFF2-40B4-BE49-F238E27FC236}">
+                <a16:creationId xmlns:a16="http://schemas.microsoft.com/office/drawing/2014/main" id="{08ECF2C6-B0E1-4075-A62B-211FE1875D88}"/>
+              </a:ext>
+            </a:extLst>
+          </p:cNvPr>
+          <p:cNvPicPr>
+            <a:picLocks noChangeAspect="1" noChangeArrowheads="1"/>
+          </p:cNvPicPr>
+          <p:nvPr/>
+        </p:nvPicPr>
+        <p:blipFill>
+          <a:blip r:embed="rId4">
+            <a:extLst>
+              <a:ext uri="{28A0092B-C50C-407E-A947-70E740481C1C}">
+                <a14:useLocalDpi xmlns:a14="http://schemas.microsoft.com/office/drawing/2010/main" val="0"/>
+              </a:ext>
+            </a:extLst>
+          </a:blip>
+          <a:srcRect/>
+          <a:stretch>
+            <a:fillRect/>
+          </a:stretch>
+        </p:blipFill>
+        <p:spPr bwMode="auto">
+          <a:xfrm>
+            <a:off x="6694472" y="2771297"/>
+            <a:ext cx="2155825" cy="723900"/>
+          </a:xfrm>
+          <a:prstGeom prst="rect">
+            <a:avLst/>
+          </a:prstGeom>
+          <a:noFill/>
+          <a:ln>
+            <a:noFill/>
+          </a:ln>
+          <a:extLst>
+            <a:ext uri="{909E8E84-426E-40DD-AFC4-6F175D3DCCD1}">
+              <a14:hiddenFill xmlns:a14="http://schemas.microsoft.com/office/drawing/2010/main">
+                <a:solidFill>
+                  <a:srgbClr val="FFFFFF"/>
+                </a:solidFill>
+              </a14:hiddenFill>
+            </a:ext>
+            <a:ext uri="{91240B29-F687-4F45-9708-019B960494DF}">
+              <a14:hiddenLine xmlns:a14="http://schemas.microsoft.com/office/drawing/2010/main" w="9525">
+                <a:solidFill>
+                  <a:srgbClr val="000000"/>
+                </a:solidFill>
+                <a:miter lim="800000"/>
+                <a:headEnd/>
+                <a:tailEnd/>
+              </a14:hiddenLine>
+            </a:ext>
+          </a:extLst>
+        </p:spPr>
+      </p:pic>
+      <p:pic>
+        <p:nvPicPr>
+          <p:cNvPr id="3077" name="Picture 5" descr="seq">
+            <a:extLst>
+              <a:ext uri="{FF2B5EF4-FFF2-40B4-BE49-F238E27FC236}">
+                <a16:creationId xmlns:a16="http://schemas.microsoft.com/office/drawing/2014/main" id="{381F1647-B760-4AC3-8C13-73860B626BDF}"/>
+              </a:ext>
+            </a:extLst>
+          </p:cNvPr>
+          <p:cNvPicPr>
+            <a:picLocks noChangeAspect="1" noChangeArrowheads="1"/>
+          </p:cNvPicPr>
+          <p:nvPr/>
+        </p:nvPicPr>
+        <p:blipFill>
+          <a:blip r:embed="rId5">
+            <a:extLst>
+              <a:ext uri="{28A0092B-C50C-407E-A947-70E740481C1C}">
+                <a14:useLocalDpi xmlns:a14="http://schemas.microsoft.com/office/drawing/2010/main" val="0"/>
+              </a:ext>
+            </a:extLst>
+          </a:blip>
+          <a:srcRect/>
+          <a:stretch>
+            <a:fillRect/>
+          </a:stretch>
+        </p:blipFill>
+        <p:spPr bwMode="auto">
+          <a:xfrm>
+            <a:off x="9221855" y="2561747"/>
+            <a:ext cx="2057400" cy="1143000"/>
+          </a:xfrm>
+          <a:prstGeom prst="rect">
+            <a:avLst/>
+          </a:prstGeom>
+          <a:noFill/>
+          <a:ln>
+            <a:noFill/>
+          </a:ln>
+          <a:extLst>
+            <a:ext uri="{909E8E84-426E-40DD-AFC4-6F175D3DCCD1}">
+              <a14:hiddenFill xmlns:a14="http://schemas.microsoft.com/office/drawing/2010/main">
+                <a:solidFill>
+                  <a:srgbClr val="FFFFFF"/>
+                </a:solidFill>
+              </a14:hiddenFill>
+            </a:ext>
+            <a:ext uri="{91240B29-F687-4F45-9708-019B960494DF}">
+              <a14:hiddenLine xmlns:a14="http://schemas.microsoft.com/office/drawing/2010/main" w="9525">
+                <a:solidFill>
+                  <a:srgbClr val="000000"/>
+                </a:solidFill>
+                <a:miter lim="800000"/>
+                <a:headEnd/>
+                <a:tailEnd/>
+              </a14:hiddenLine>
+            </a:ext>
+          </a:extLst>
+        </p:spPr>
+      </p:pic>
+      <p:pic>
+        <p:nvPicPr>
+          <p:cNvPr id="3078" name="Picture 6" descr="movies">
+            <a:extLst>
+              <a:ext uri="{FF2B5EF4-FFF2-40B4-BE49-F238E27FC236}">
+                <a16:creationId xmlns:a16="http://schemas.microsoft.com/office/drawing/2014/main" id="{BD4C613A-45B2-414D-86B8-E470CB23A971}"/>
+              </a:ext>
+            </a:extLst>
+          </p:cNvPr>
+          <p:cNvPicPr>
+            <a:picLocks noChangeAspect="1" noChangeArrowheads="1"/>
+          </p:cNvPicPr>
+          <p:nvPr/>
+        </p:nvPicPr>
+        <p:blipFill>
+          <a:blip r:embed="rId6">
+            <a:extLst>
+              <a:ext uri="{28A0092B-C50C-407E-A947-70E740481C1C}">
+                <a14:useLocalDpi xmlns:a14="http://schemas.microsoft.com/office/drawing/2010/main" val="0"/>
+              </a:ext>
+            </a:extLst>
+          </a:blip>
+          <a:srcRect/>
+          <a:stretch>
+            <a:fillRect/>
+          </a:stretch>
+        </p:blipFill>
+        <p:spPr bwMode="auto">
+          <a:xfrm>
+            <a:off x="7294563" y="4759166"/>
+            <a:ext cx="4587875" cy="1783080"/>
+          </a:xfrm>
+          <a:prstGeom prst="rect">
+            <a:avLst/>
+          </a:prstGeom>
+          <a:noFill/>
+          <a:ln>
+            <a:noFill/>
+          </a:ln>
+          <a:extLst>
+            <a:ext uri="{909E8E84-426E-40DD-AFC4-6F175D3DCCD1}">
+              <a14:hiddenFill xmlns:a14="http://schemas.microsoft.com/office/drawing/2010/main">
+                <a:solidFill>
+                  <a:srgbClr val="FFFFFF"/>
+                </a:solidFill>
+              </a14:hiddenFill>
+            </a:ext>
+            <a:ext uri="{91240B29-F687-4F45-9708-019B960494DF}">
+              <a14:hiddenLine xmlns:a14="http://schemas.microsoft.com/office/drawing/2010/main" w="9525">
+                <a:solidFill>
+                  <a:srgbClr val="000000"/>
+                </a:solidFill>
+                <a:miter lim="800000"/>
+                <a:headEnd/>
+                <a:tailEnd/>
+              </a14:hiddenLine>
+            </a:ext>
+          </a:extLst>
+        </p:spPr>
+      </p:pic>
+      <p:sp>
+        <p:nvSpPr>
+          <p:cNvPr id="4" name="pole tekstowe 3">
+            <a:extLst>
+              <a:ext uri="{FF2B5EF4-FFF2-40B4-BE49-F238E27FC236}">
+                <a16:creationId xmlns:a16="http://schemas.microsoft.com/office/drawing/2014/main" id="{F542F95E-C704-43F1-B5F0-117104E741BD}"/>
+              </a:ext>
+            </a:extLst>
+          </p:cNvPr>
+          <p:cNvSpPr txBox="1"/>
+          <p:nvPr/>
+        </p:nvSpPr>
+        <p:spPr>
+          <a:xfrm>
+            <a:off x="622569" y="1786146"/>
+            <a:ext cx="10097311" cy="369332"/>
+          </a:xfrm>
+          <a:prstGeom prst="rect">
+            <a:avLst/>
+          </a:prstGeom>
+          <a:noFill/>
+        </p:spPr>
+        <p:txBody>
+          <a:bodyPr wrap="square" rtlCol="0">
+            <a:spAutoFit/>
+          </a:bodyPr>
+          <a:lstStyle/>
+          <a:p>
+            <a:pPr marL="285750" indent="-285750">
+              <a:buFont typeface="Arial" panose="020B0604020202020204" pitchFamily="34" charset="0"/>
+              <a:buChar char="•"/>
+            </a:pPr>
+            <a:r>
+              <a:rPr lang="pl-PL" dirty="0"/>
+              <a:t>Utworzenie tabel na podstawie diagramu ERD</a:t>
+            </a:r>
+          </a:p>
+        </p:txBody>
+      </p:sp>
+      <p:sp>
+        <p:nvSpPr>
+          <p:cNvPr id="10" name="pole tekstowe 9">
+            <a:extLst>
+              <a:ext uri="{FF2B5EF4-FFF2-40B4-BE49-F238E27FC236}">
+                <a16:creationId xmlns:a16="http://schemas.microsoft.com/office/drawing/2014/main" id="{A064485A-806E-4D25-AB80-A6B0F212220B}"/>
+              </a:ext>
+            </a:extLst>
+          </p:cNvPr>
+          <p:cNvSpPr txBox="1"/>
+          <p:nvPr/>
+        </p:nvSpPr>
+        <p:spPr>
+          <a:xfrm>
+            <a:off x="556580" y="4288300"/>
+            <a:ext cx="10097311" cy="369332"/>
+          </a:xfrm>
+          <a:prstGeom prst="rect">
+            <a:avLst/>
+          </a:prstGeom>
+          <a:noFill/>
+        </p:spPr>
+        <p:txBody>
+          <a:bodyPr wrap="square" rtlCol="0">
+            <a:spAutoFit/>
+          </a:bodyPr>
+          <a:lstStyle/>
+          <a:p>
+            <a:pPr marL="285750" indent="-285750">
+              <a:buFont typeface="Arial" panose="020B0604020202020204" pitchFamily="34" charset="0"/>
+              <a:buChar char="•"/>
+            </a:pPr>
+            <a:r>
+              <a:rPr lang="pl-PL" dirty="0"/>
+              <a:t>Dodanie danych oraz ich wyświetlanie w wyniku zastosowania procedur składowanych </a:t>
+            </a:r>
+          </a:p>
+        </p:txBody>
+      </p:sp>
+      <p:cxnSp>
+        <p:nvCxnSpPr>
+          <p:cNvPr id="6" name="Łącznik prosty ze strzałką 5">
+            <a:extLst>
+              <a:ext uri="{FF2B5EF4-FFF2-40B4-BE49-F238E27FC236}">
+                <a16:creationId xmlns:a16="http://schemas.microsoft.com/office/drawing/2014/main" id="{BC7989C4-C659-4478-B6BC-665D8547F9DF}"/>
+              </a:ext>
+            </a:extLst>
+          </p:cNvPr>
+          <p:cNvCxnSpPr>
+            <a:cxnSpLocks/>
+          </p:cNvCxnSpPr>
+          <p:nvPr/>
+        </p:nvCxnSpPr>
+        <p:spPr>
+          <a:xfrm>
+            <a:off x="3271101" y="3133247"/>
+            <a:ext cx="692477" cy="0"/>
+          </a:xfrm>
+          <a:prstGeom prst="straightConnector1">
+            <a:avLst/>
+          </a:prstGeom>
+          <a:ln>
+            <a:tailEnd type="triangle"/>
+          </a:ln>
+        </p:spPr>
+        <p:style>
+          <a:lnRef idx="1">
+            <a:schemeClr val="accent1"/>
+          </a:lnRef>
+          <a:fillRef idx="0">
+            <a:schemeClr val="accent1"/>
+          </a:fillRef>
+          <a:effectRef idx="0">
+            <a:schemeClr val="accent1"/>
+          </a:effectRef>
+          <a:fontRef idx="minor">
+            <a:schemeClr val="tx1"/>
+          </a:fontRef>
+        </p:style>
+      </p:cxnSp>
+      <p:pic>
+        <p:nvPicPr>
+          <p:cNvPr id="8" name="Obraz 7" descr="Obraz zawierający tekst&#10;&#10;Opis wygenerowany automatycznie">
+            <a:extLst>
+              <a:ext uri="{FF2B5EF4-FFF2-40B4-BE49-F238E27FC236}">
+                <a16:creationId xmlns:a16="http://schemas.microsoft.com/office/drawing/2014/main" id="{12AD2D2B-4F9B-44ED-BE2D-D6E942E073F4}"/>
+              </a:ext>
+            </a:extLst>
+          </p:cNvPr>
+          <p:cNvPicPr>
+            <a:picLocks noChangeAspect="1"/>
+          </p:cNvPicPr>
+          <p:nvPr/>
+        </p:nvPicPr>
+        <p:blipFill>
+          <a:blip r:embed="rId7">
+            <a:extLst>
+              <a:ext uri="{28A0092B-C50C-407E-A947-70E740481C1C}">
+                <a14:useLocalDpi xmlns:a14="http://schemas.microsoft.com/office/drawing/2010/main" val="0"/>
+              </a:ext>
+            </a:extLst>
+          </a:blip>
+          <a:stretch>
+            <a:fillRect/>
+          </a:stretch>
+        </p:blipFill>
+        <p:spPr>
+          <a:xfrm>
+            <a:off x="838200" y="4759166"/>
+            <a:ext cx="6250757" cy="1783080"/>
+          </a:xfrm>
+          <a:prstGeom prst="rect">
+            <a:avLst/>
+          </a:prstGeom>
+        </p:spPr>
+      </p:pic>
+    </p:spTree>
+    <p:extLst>
+      <p:ext uri="{BB962C8B-B14F-4D97-AF65-F5344CB8AC3E}">
+        <p14:creationId xmlns:p14="http://schemas.microsoft.com/office/powerpoint/2010/main" val="174500954"/>
+      </p:ext>
+    </p:extLst>
+  </p:cSld>
+  <p:clrMapOvr>
+    <a:masterClrMapping/>
+  </p:clrMapOvr>
+</p:sld>
+</file>
+
+<file path=ppt/slides/slide9.xml><?xml version="1.0" encoding="utf-8"?>
+<p:sld xmlns:a="http://schemas.openxmlformats.org/drawingml/2006/main" xmlns:r="http://schemas.openxmlformats.org/officeDocument/2006/relationships" xmlns:p="http://schemas.openxmlformats.org/presentationml/2006/main">
+  <p:cSld>
+    <p:spTree>
+      <p:nvGrpSpPr>
+        <p:cNvPr id="1" name=""/>
+        <p:cNvGrpSpPr/>
+        <p:nvPr/>
+      </p:nvGrpSpPr>
+      <p:grpSpPr>
+        <a:xfrm>
+          <a:off x="0" y="0"/>
+          <a:ext cx="0" cy="0"/>
+          <a:chOff x="0" y="0"/>
+          <a:chExt cx="0" cy="0"/>
+        </a:xfrm>
+      </p:grpSpPr>
+      <p:sp>
+        <p:nvSpPr>
+          <p:cNvPr id="2" name="Tytuł 1">
+            <a:extLst>
+              <a:ext uri="{FF2B5EF4-FFF2-40B4-BE49-F238E27FC236}">
                 <a16:creationId xmlns:a16="http://schemas.microsoft.com/office/drawing/2014/main" id="{F1092C1E-8186-4721-B2D4-4814DDD38EBB}"/>
               </a:ext>
             </a:extLst>
@@ -6797,7 +7520,7 @@
             </a:pPr>
             <a:r>
               <a:rPr lang="pl-PL" dirty="0"/>
-              <a:t>Zostały przeprowadzone testy wydajnościowe dla jednej z głównych tabel programu. Przy próbie dodania 1 000 000 rekordów program wyrzucił wyjątek.</a:t>
+              <a:t>Zostały przeprowadzone testy wydajnościowe dla jednej z głównych tabel programu (od 100 do 100 000 rekordów). Przy próbie dodania 1 000 000 rekordów program wyrzucił wyjątek.</a:t>
             </a:r>
           </a:p>
         </p:txBody>
@@ -6960,248 +7683,13 @@
   <p:clrMapOvr>
     <a:masterClrMapping/>
   </p:clrMapOvr>
-  <mc:AlternateContent xmlns:mc="http://schemas.openxmlformats.org/markup-compatibility/2006">
-    <mc:Choice xmlns:p159="http://schemas.microsoft.com/office/powerpoint/2015/09/main" Requires="p159">
+  <mc:AlternateContent xmlns:mc="http://schemas.openxmlformats.org/markup-compatibility/2006" xmlns:p159="http://schemas.microsoft.com/office/powerpoint/2015/09/main">
+    <mc:Choice Requires="p159">
       <p:transition xmlns:p14="http://schemas.microsoft.com/office/powerpoint/2010/main" spd="slow" p14:dur="2000">
         <p159:morph option="byObject"/>
       </p:transition>
     </mc:Choice>
-    <mc:Fallback>
-      <p:transition spd="slow">
-        <p:fade/>
-      </p:transition>
-    </mc:Fallback>
-  </mc:AlternateContent>
-</p:sld>
-</file>
-
-<file path=ppt/slides/slide8.xml><?xml version="1.0" encoding="utf-8"?>
-<p:sld xmlns:a="http://schemas.openxmlformats.org/drawingml/2006/main" xmlns:r="http://schemas.openxmlformats.org/officeDocument/2006/relationships" xmlns:p="http://schemas.openxmlformats.org/presentationml/2006/main">
-  <p:cSld>
-    <p:spTree>
-      <p:nvGrpSpPr>
-        <p:cNvPr id="1" name=""/>
-        <p:cNvGrpSpPr/>
-        <p:nvPr/>
-      </p:nvGrpSpPr>
-      <p:grpSpPr>
-        <a:xfrm>
-          <a:off x="0" y="0"/>
-          <a:ext cx="0" cy="0"/>
-          <a:chOff x="0" y="0"/>
-          <a:chExt cx="0" cy="0"/>
-        </a:xfrm>
-      </p:grpSpPr>
-      <p:sp>
-        <p:nvSpPr>
-          <p:cNvPr id="2" name="Tytuł 1">
-            <a:extLst>
-              <a:ext uri="{FF2B5EF4-FFF2-40B4-BE49-F238E27FC236}">
-                <a16:creationId xmlns:a16="http://schemas.microsoft.com/office/drawing/2014/main" id="{F1092C1E-8186-4721-B2D4-4814DDD38EBB}"/>
-              </a:ext>
-            </a:extLst>
-          </p:cNvPr>
-          <p:cNvSpPr>
-            <a:spLocks noGrp="1"/>
-          </p:cNvSpPr>
-          <p:nvPr>
-            <p:ph type="title"/>
-          </p:nvPr>
-        </p:nvSpPr>
-        <p:spPr>
-          <a:xfrm>
-            <a:off x="838200" y="2766218"/>
-            <a:ext cx="10515600" cy="1325563"/>
-          </a:xfrm>
-        </p:spPr>
-        <p:txBody>
-          <a:bodyPr/>
-          <a:lstStyle/>
-          <a:p>
-            <a:pPr algn="ctr"/>
-            <a:r>
-              <a:rPr lang="pl-PL" b="1" dirty="0"/>
-              <a:t>Aplikacja – wersja klienta</a:t>
-            </a:r>
-          </a:p>
-        </p:txBody>
-      </p:sp>
-    </p:spTree>
-    <p:extLst>
-      <p:ext uri="{BB962C8B-B14F-4D97-AF65-F5344CB8AC3E}">
-        <p14:creationId xmlns:p14="http://schemas.microsoft.com/office/powerpoint/2010/main" val="1240330195"/>
-      </p:ext>
-    </p:extLst>
-  </p:cSld>
-  <p:clrMapOvr>
-    <a:masterClrMapping/>
-  </p:clrMapOvr>
-  <mc:AlternateContent xmlns:mc="http://schemas.openxmlformats.org/markup-compatibility/2006">
-    <mc:Choice xmlns:p159="http://schemas.microsoft.com/office/powerpoint/2015/09/main" Requires="p159">
-      <p:transition xmlns:p14="http://schemas.microsoft.com/office/powerpoint/2010/main" spd="slow" p14:dur="2000">
-        <p159:morph option="byObject"/>
-      </p:transition>
-    </mc:Choice>
-    <mc:Fallback>
-      <p:transition spd="slow">
-        <p:fade/>
-      </p:transition>
-    </mc:Fallback>
-  </mc:AlternateContent>
-</p:sld>
-</file>
-
-<file path=ppt/slides/slide9.xml><?xml version="1.0" encoding="utf-8"?>
-<p:sld xmlns:a="http://schemas.openxmlformats.org/drawingml/2006/main" xmlns:r="http://schemas.openxmlformats.org/officeDocument/2006/relationships" xmlns:p="http://schemas.openxmlformats.org/presentationml/2006/main">
-  <p:cSld>
-    <p:spTree>
-      <p:nvGrpSpPr>
-        <p:cNvPr id="1" name=""/>
-        <p:cNvGrpSpPr/>
-        <p:nvPr/>
-      </p:nvGrpSpPr>
-      <p:grpSpPr>
-        <a:xfrm>
-          <a:off x="0" y="0"/>
-          <a:ext cx="0" cy="0"/>
-          <a:chOff x="0" y="0"/>
-          <a:chExt cx="0" cy="0"/>
-        </a:xfrm>
-      </p:grpSpPr>
-      <p:sp>
-        <p:nvSpPr>
-          <p:cNvPr id="2" name="Tytuł 1">
-            <a:extLst>
-              <a:ext uri="{FF2B5EF4-FFF2-40B4-BE49-F238E27FC236}">
-                <a16:creationId xmlns:a16="http://schemas.microsoft.com/office/drawing/2014/main" id="{F1092C1E-8186-4721-B2D4-4814DDD38EBB}"/>
-              </a:ext>
-            </a:extLst>
-          </p:cNvPr>
-          <p:cNvSpPr>
-            <a:spLocks noGrp="1"/>
-          </p:cNvSpPr>
-          <p:nvPr>
-            <p:ph type="title"/>
-          </p:nvPr>
-        </p:nvSpPr>
-        <p:spPr/>
-        <p:txBody>
-          <a:bodyPr/>
-          <a:lstStyle/>
-          <a:p>
-            <a:pPr algn="ctr"/>
-            <a:r>
-              <a:rPr lang="pl-PL" b="1" dirty="0"/>
-              <a:t>Rejestracja w systemie</a:t>
-            </a:r>
-          </a:p>
-        </p:txBody>
-      </p:sp>
-      <p:sp>
-        <p:nvSpPr>
-          <p:cNvPr id="3" name="Symbol zastępczy zawartości 2">
-            <a:extLst>
-              <a:ext uri="{FF2B5EF4-FFF2-40B4-BE49-F238E27FC236}">
-                <a16:creationId xmlns:a16="http://schemas.microsoft.com/office/drawing/2014/main" id="{BED17CEA-A2D2-48DD-BC56-912FC4DCEDB1}"/>
-              </a:ext>
-            </a:extLst>
-          </p:cNvPr>
-          <p:cNvSpPr>
-            <a:spLocks noGrp="1"/>
-          </p:cNvSpPr>
-          <p:nvPr>
-            <p:ph idx="1"/>
-          </p:nvPr>
-        </p:nvSpPr>
-        <p:spPr/>
-        <p:txBody>
-          <a:bodyPr/>
-          <a:lstStyle/>
-          <a:p>
-            <a:pPr marL="0" indent="0">
-              <a:buNone/>
-            </a:pPr>
-            <a:endParaRPr lang="pl-PL" dirty="0"/>
-          </a:p>
-        </p:txBody>
-      </p:sp>
-      <p:pic>
-        <p:nvPicPr>
-          <p:cNvPr id="4098" name="Picture 2" descr="signup">
-            <a:extLst>
-              <a:ext uri="{FF2B5EF4-FFF2-40B4-BE49-F238E27FC236}">
-                <a16:creationId xmlns:a16="http://schemas.microsoft.com/office/drawing/2014/main" id="{24A68366-40CD-4458-B771-BF9B77AF9CAF}"/>
-              </a:ext>
-            </a:extLst>
-          </p:cNvPr>
-          <p:cNvPicPr>
-            <a:picLocks noChangeAspect="1" noChangeArrowheads="1"/>
-          </p:cNvPicPr>
-          <p:nvPr/>
-        </p:nvPicPr>
-        <p:blipFill>
-          <a:blip r:embed="rId2">
-            <a:extLst>
-              <a:ext uri="{28A0092B-C50C-407E-A947-70E740481C1C}">
-                <a14:useLocalDpi xmlns:a14="http://schemas.microsoft.com/office/drawing/2010/main" val="0"/>
-              </a:ext>
-            </a:extLst>
-          </a:blip>
-          <a:srcRect/>
-          <a:stretch>
-            <a:fillRect/>
-          </a:stretch>
-        </p:blipFill>
-        <p:spPr bwMode="auto">
-          <a:xfrm>
-            <a:off x="1785687" y="1504162"/>
-            <a:ext cx="8620626" cy="5161331"/>
-          </a:xfrm>
-          <a:prstGeom prst="rect">
-            <a:avLst/>
-          </a:prstGeom>
-          <a:noFill/>
-          <a:ln>
-            <a:noFill/>
-          </a:ln>
-          <a:extLst>
-            <a:ext uri="{909E8E84-426E-40DD-AFC4-6F175D3DCCD1}">
-              <a14:hiddenFill xmlns:a14="http://schemas.microsoft.com/office/drawing/2010/main">
-                <a:solidFill>
-                  <a:srgbClr val="FFFFFF"/>
-                </a:solidFill>
-              </a14:hiddenFill>
-            </a:ext>
-            <a:ext uri="{91240B29-F687-4F45-9708-019B960494DF}">
-              <a14:hiddenLine xmlns:a14="http://schemas.microsoft.com/office/drawing/2010/main" w="9525">
-                <a:solidFill>
-                  <a:srgbClr val="000000"/>
-                </a:solidFill>
-                <a:miter lim="800000"/>
-                <a:headEnd/>
-                <a:tailEnd/>
-              </a14:hiddenLine>
-            </a:ext>
-          </a:extLst>
-        </p:spPr>
-      </p:pic>
-    </p:spTree>
-    <p:extLst>
-      <p:ext uri="{BB962C8B-B14F-4D97-AF65-F5344CB8AC3E}">
-        <p14:creationId xmlns:p14="http://schemas.microsoft.com/office/powerpoint/2010/main" val="4077164435"/>
-      </p:ext>
-    </p:extLst>
-  </p:cSld>
-  <p:clrMapOvr>
-    <a:masterClrMapping/>
-  </p:clrMapOvr>
-  <mc:AlternateContent xmlns:mc="http://schemas.openxmlformats.org/markup-compatibility/2006">
-    <mc:Choice xmlns:p159="http://schemas.microsoft.com/office/powerpoint/2015/09/main" Requires="p159">
-      <p:transition xmlns:p14="http://schemas.microsoft.com/office/powerpoint/2010/main" spd="slow" p14:dur="2000">
-        <p159:morph option="byObject"/>
-      </p:transition>
-    </mc:Choice>
-    <mc:Fallback>
+    <mc:Fallback xmlns="">
       <p:transition spd="slow">
         <p:fade/>
       </p:transition>

--- a/Documentation/Cinema.pptx
+++ b/Documentation/Cinema.pptx
@@ -3426,6 +3426,18 @@
   <p:clrMapOvr>
     <a:masterClrMapping/>
   </p:clrMapOvr>
+  <mc:AlternateContent xmlns:mc="http://schemas.openxmlformats.org/markup-compatibility/2006">
+    <mc:Choice xmlns:p159="http://schemas.microsoft.com/office/powerpoint/2015/09/main" Requires="p159">
+      <p:transition xmlns:p14="http://schemas.microsoft.com/office/powerpoint/2010/main" spd="slow" p14:dur="2000">
+        <p159:morph option="byObject"/>
+      </p:transition>
+    </mc:Choice>
+    <mc:Fallback>
+      <p:transition spd="slow">
+        <p:fade/>
+      </p:transition>
+    </mc:Fallback>
+  </mc:AlternateContent>
 </p:sld>
 </file>
 
@@ -7441,6 +7453,18 @@
   <p:clrMapOvr>
     <a:masterClrMapping/>
   </p:clrMapOvr>
+  <mc:AlternateContent xmlns:mc="http://schemas.openxmlformats.org/markup-compatibility/2006">
+    <mc:Choice xmlns:p159="http://schemas.microsoft.com/office/powerpoint/2015/09/main" Requires="p159">
+      <p:transition xmlns:p14="http://schemas.microsoft.com/office/powerpoint/2010/main" spd="slow" p14:dur="2000">
+        <p159:morph option="byObject"/>
+      </p:transition>
+    </mc:Choice>
+    <mc:Fallback>
+      <p:transition spd="slow">
+        <p:fade/>
+      </p:transition>
+    </mc:Fallback>
+  </mc:AlternateContent>
 </p:sld>
 </file>
 
